--- a/presentation/figure_gan.pptx
+++ b/presentation/figure_gan.pptx
@@ -11,6 +11,7 @@
     <p:sldId id="261" r:id="rId3"/>
     <p:sldId id="263" r:id="rId5"/>
     <p:sldId id="264" r:id="rId6"/>
+    <p:sldId id="265" r:id="rId7"/>
   </p:sldIdLst>
   <p:sldSz cx="12192000" cy="6858000"/>
   <p:notesSz cx="6858000" cy="9144000"/>
@@ -3443,7 +3444,7 @@
                     </m:oMath>
                   </m:oMathPara>
                 </a14:m>
-                <a:endParaRPr lang="" altLang="en-US" sz="2400" b="1">
+                <a:endParaRPr lang="en-US" altLang="en-US" sz="2400" b="1">
                   <a:latin typeface="Latin Modern Sans" panose="00000500000000000000" charset="0"/>
                   <a:cs typeface="Latin Modern Sans" panose="00000500000000000000" charset="0"/>
                 </a:endParaRPr>
@@ -4552,7 +4553,7 @@
               <a:p>
                 <a:pPr algn="ctr"/>
                 <a:r>
-                  <a:rPr lang="" altLang="en-US" sz="2400" b="1">
+                  <a:rPr lang="en-US" altLang="en-US" sz="2400" b="1">
                     <a:latin typeface="Latin Modern Sans" panose="00000500000000000000" charset="0"/>
                     <a:cs typeface="Latin Modern Sans" panose="00000500000000000000" charset="0"/>
                   </a:rPr>
@@ -4626,13 +4627,13 @@
                   </m:oMath>
                 </a14:m>
                 <a:r>
-                  <a:rPr lang="" altLang="en-US" sz="2400" b="1">
+                  <a:rPr lang="en-US" altLang="en-US" sz="2400" b="1">
                     <a:latin typeface="Latin Modern Sans" panose="00000500000000000000" charset="0"/>
                     <a:cs typeface="Latin Modern Sans" panose="00000500000000000000" charset="0"/>
                   </a:rPr>
                   <a:t>)</a:t>
                 </a:r>
-                <a:endParaRPr lang="" altLang="en-US" sz="2400" b="1">
+                <a:endParaRPr lang="en-US" altLang="en-US" sz="2400" b="1">
                   <a:latin typeface="Latin Modern Sans" panose="00000500000000000000" charset="0"/>
                   <a:cs typeface="Latin Modern Sans" panose="00000500000000000000" charset="0"/>
                 </a:endParaRPr>
@@ -4810,13 +4811,13 @@
           <a:p>
             <a:pPr algn="ctr"/>
             <a:r>
-              <a:rPr lang="" altLang="en-US" sz="1600" b="1">
+              <a:rPr lang="en-US" altLang="en-US" sz="1600" b="1">
                 <a:latin typeface="Latin Modern Sans" panose="00000500000000000000" charset="0"/>
                 <a:cs typeface="Latin Modern Sans" panose="00000500000000000000" charset="0"/>
               </a:rPr>
               <a:t>Simulated tracks</a:t>
             </a:r>
-            <a:endParaRPr lang="" altLang="en-US" sz="1600" b="1">
+            <a:endParaRPr lang="en-US" altLang="en-US" sz="1600" b="1">
               <a:latin typeface="Latin Modern Sans" panose="00000500000000000000" charset="0"/>
               <a:cs typeface="Latin Modern Sans" panose="00000500000000000000" charset="0"/>
             </a:endParaRPr>
@@ -5039,18 +5040,11 @@
               <a:p>
                 <a:pPr algn="ctr"/>
                 <a:r>
-                  <a:rPr lang="" altLang="en-US" sz="2400" b="1">
-                    <a:latin typeface="Latin Modern Sans" panose="00000500000000000000" charset="0"/>
-                    <a:cs typeface="Latin Modern Sans" panose="00000500000000000000" charset="0"/>
-                  </a:rPr>
-                  <a:t>G</a:t>
-                </a:r>
-                <a:r>
                   <a:rPr lang="en-US" altLang="en-US" sz="2400" b="1">
                     <a:latin typeface="Latin Modern Sans" panose="00000500000000000000" charset="0"/>
                     <a:cs typeface="Latin Modern Sans" panose="00000500000000000000" charset="0"/>
                   </a:rPr>
-                  <a:t>(</a:t>
+                  <a:t>G(</a:t>
                 </a:r>
                 <a14:m>
                   <m:oMath xmlns:m="http://schemas.openxmlformats.org/officeDocument/2006/math">
@@ -7300,13 +7294,13 @@
           <a:p>
             <a:pPr algn="ctr"/>
             <a:r>
-              <a:rPr lang="" altLang="en-US" sz="2400" b="1">
+              <a:rPr lang="en-US" altLang="en-US" sz="2400" b="1">
                 <a:latin typeface="Latin Modern Sans" panose="00000500000000000000" charset="0"/>
                 <a:cs typeface="Latin Modern Sans" panose="00000500000000000000" charset="0"/>
               </a:rPr>
               <a:t>True / False</a:t>
             </a:r>
-            <a:endParaRPr lang="" altLang="en-US" sz="2400" b="1">
+            <a:endParaRPr lang="en-US" altLang="en-US" sz="2400" b="1">
               <a:latin typeface="Latin Modern Sans" panose="00000500000000000000" charset="0"/>
               <a:cs typeface="Latin Modern Sans" panose="00000500000000000000" charset="0"/>
             </a:endParaRPr>
@@ -11379,10 +11373,10 @@
             </a:bodyPr>
             <a:p>
               <a:r>
-                <a:rPr lang="" altLang="en-US" b="1"/>
+                <a:rPr lang="en-US" altLang="en-US" b="1"/>
                 <a:t>(A)</a:t>
               </a:r>
-              <a:endParaRPr lang="" altLang="en-US" b="1"/>
+              <a:endParaRPr lang="en-US" altLang="en-US" b="1"/>
             </a:p>
           </p:txBody>
         </p:sp>
@@ -11408,10 +11402,10 @@
             </a:bodyPr>
             <a:p>
               <a:r>
-                <a:rPr lang="" altLang="en-US" b="1"/>
+                <a:rPr lang="en-US" altLang="en-US" b="1"/>
                 <a:t>(B1)</a:t>
               </a:r>
-              <a:endParaRPr lang="" altLang="en-US" b="1"/>
+              <a:endParaRPr lang="en-US" altLang="en-US" b="1"/>
             </a:p>
           </p:txBody>
         </p:sp>
@@ -11437,10 +11431,10 @@
             </a:bodyPr>
             <a:p>
               <a:r>
-                <a:rPr lang="" altLang="en-US" b="1"/>
+                <a:rPr lang="en-US" altLang="en-US" b="1"/>
                 <a:t>(B2)</a:t>
               </a:r>
-              <a:endParaRPr lang="" altLang="en-US" b="1"/>
+              <a:endParaRPr lang="en-US" altLang="en-US" b="1"/>
             </a:p>
           </p:txBody>
         </p:sp>
@@ -11466,18 +11460,10 @@
             </a:bodyPr>
             <a:p>
               <a:r>
-                <a:rPr lang="" altLang="en-US" b="1"/>
-                <a:t>(</a:t>
+                <a:rPr lang="en-US" altLang="en-US" b="1"/>
+                <a:t>(B3)</a:t>
               </a:r>
-              <a:r>
-                <a:rPr lang="en-US" altLang="en-US" b="1"/>
-                <a:t>B</a:t>
-              </a:r>
-              <a:r>
-                <a:rPr lang="" altLang="en-US" b="1"/>
-                <a:t>3)</a:t>
-              </a:r>
-              <a:endParaRPr lang="" altLang="en-US" b="1"/>
+              <a:endParaRPr lang="en-US" altLang="en-US" b="1"/>
             </a:p>
           </p:txBody>
         </p:sp>
@@ -11587,6 +11573,3523 @@
           </p:style>
         </p:cxnSp>
       </p:grpSp>
+    </p:spTree>
+  </p:cSld>
+  <p:clrMapOvr>
+    <a:masterClrMapping/>
+  </p:clrMapOvr>
+</p:sld>
+</file>
+
+<file path=ppt/slides/slide4.xml><?xml version="1.0" encoding="utf-8"?>
+<p:sld xmlns:a="http://schemas.openxmlformats.org/drawingml/2006/main" xmlns:r="http://schemas.openxmlformats.org/officeDocument/2006/relationships" xmlns:p="http://schemas.openxmlformats.org/presentationml/2006/main">
+  <p:cSld>
+    <p:spTree>
+      <p:nvGrpSpPr>
+        <p:cNvPr id="1" name=""/>
+        <p:cNvGrpSpPr/>
+        <p:nvPr/>
+      </p:nvGrpSpPr>
+      <p:grpSpPr/>
+      <p:sp>
+        <p:nvSpPr>
+          <p:cNvPr id="137" name="Rectangle 136"/>
+          <p:cNvSpPr/>
+          <p:nvPr/>
+        </p:nvSpPr>
+        <p:spPr>
+          <a:xfrm>
+            <a:off x="239395" y="774065"/>
+            <a:ext cx="11569700" cy="4046220"/>
+          </a:xfrm>
+          <a:prstGeom prst="rect">
+            <a:avLst/>
+          </a:prstGeom>
+          <a:solidFill>
+            <a:schemeClr val="bg1"/>
+          </a:solidFill>
+          <a:ln w="19050">
+            <a:solidFill>
+              <a:schemeClr val="tx1"/>
+            </a:solidFill>
+          </a:ln>
+        </p:spPr>
+        <p:style>
+          <a:lnRef idx="2">
+            <a:schemeClr val="accent1">
+              <a:shade val="50000"/>
+            </a:schemeClr>
+          </a:lnRef>
+          <a:fillRef idx="1">
+            <a:schemeClr val="accent1"/>
+          </a:fillRef>
+          <a:effectRef idx="0">
+            <a:schemeClr val="accent1"/>
+          </a:effectRef>
+          <a:fontRef idx="minor">
+            <a:schemeClr val="lt1"/>
+          </a:fontRef>
+        </p:style>
+        <p:txBody>
+          <a:bodyPr rtlCol="0" anchor="ctr"/>
+          <a:p>
+            <a:pPr algn="ctr"/>
+            <a:endParaRPr lang="en-US"/>
+          </a:p>
+        </p:txBody>
+      </p:sp>
+      <p:sp>
+        <p:nvSpPr>
+          <p:cNvPr id="35" name="Rounded Rectangle 34"/>
+          <p:cNvSpPr/>
+          <p:nvPr/>
+        </p:nvSpPr>
+        <p:spPr>
+          <a:xfrm>
+            <a:off x="9300845" y="1563370"/>
+            <a:ext cx="1548765" cy="905510"/>
+          </a:xfrm>
+          <a:prstGeom prst="roundRect">
+            <a:avLst/>
+          </a:prstGeom>
+          <a:solidFill>
+            <a:schemeClr val="bg2">
+              <a:alpha val="50000"/>
+            </a:schemeClr>
+          </a:solidFill>
+          <a:ln w="25400">
+            <a:solidFill>
+              <a:schemeClr val="tx1">
+                <a:lumMod val="50000"/>
+                <a:lumOff val="50000"/>
+              </a:schemeClr>
+            </a:solidFill>
+          </a:ln>
+        </p:spPr>
+        <p:style>
+          <a:lnRef idx="2">
+            <a:schemeClr val="accent1">
+              <a:shade val="50000"/>
+            </a:schemeClr>
+          </a:lnRef>
+          <a:fillRef idx="1">
+            <a:schemeClr val="accent1"/>
+          </a:fillRef>
+          <a:effectRef idx="0">
+            <a:schemeClr val="accent1"/>
+          </a:effectRef>
+          <a:fontRef idx="minor">
+            <a:schemeClr val="lt1"/>
+          </a:fontRef>
+        </p:style>
+        <p:txBody>
+          <a:bodyPr rtlCol="0" anchor="ctr"/>
+          <a:p>
+            <a:pPr algn="ctr"/>
+            <a:endParaRPr lang="en-US"/>
+          </a:p>
+        </p:txBody>
+      </p:sp>
+      <p:sp>
+        <p:nvSpPr>
+          <p:cNvPr id="3" name="Rounded Rectangle 2"/>
+          <p:cNvSpPr/>
+          <p:nvPr/>
+        </p:nvSpPr>
+        <p:spPr>
+          <a:xfrm>
+            <a:off x="9300845" y="3261995"/>
+            <a:ext cx="1549400" cy="905510"/>
+          </a:xfrm>
+          <a:prstGeom prst="roundRect">
+            <a:avLst/>
+          </a:prstGeom>
+          <a:solidFill>
+            <a:schemeClr val="bg2">
+              <a:alpha val="50000"/>
+            </a:schemeClr>
+          </a:solidFill>
+          <a:ln w="25400">
+            <a:solidFill>
+              <a:schemeClr val="tx1">
+                <a:lumMod val="50000"/>
+                <a:lumOff val="50000"/>
+              </a:schemeClr>
+            </a:solidFill>
+          </a:ln>
+        </p:spPr>
+        <p:style>
+          <a:lnRef idx="2">
+            <a:schemeClr val="accent1">
+              <a:shade val="50000"/>
+            </a:schemeClr>
+          </a:lnRef>
+          <a:fillRef idx="1">
+            <a:schemeClr val="accent1"/>
+          </a:fillRef>
+          <a:effectRef idx="0">
+            <a:schemeClr val="accent1"/>
+          </a:effectRef>
+          <a:fontRef idx="minor">
+            <a:schemeClr val="lt1"/>
+          </a:fontRef>
+        </p:style>
+        <p:txBody>
+          <a:bodyPr rtlCol="0" anchor="ctr"/>
+          <a:p>
+            <a:pPr algn="ctr"/>
+            <a:endParaRPr lang="en-US"/>
+          </a:p>
+        </p:txBody>
+      </p:sp>
+      <p:grpSp>
+        <p:nvGrpSpPr>
+          <p:cNvPr id="72" name="Group 71"/>
+          <p:cNvGrpSpPr/>
+          <p:nvPr/>
+        </p:nvGrpSpPr>
+        <p:grpSpPr>
+          <a:xfrm rot="0">
+            <a:off x="363220" y="1287780"/>
+            <a:ext cx="6962547" cy="3050540"/>
+            <a:chOff x="980" y="830"/>
+            <a:chExt cx="17759" cy="7476"/>
+          </a:xfrm>
+        </p:grpSpPr>
+        <p:sp>
+          <p:nvSpPr>
+            <p:cNvPr id="41" name="Rounded Rectangle 40"/>
+            <p:cNvSpPr/>
+            <p:nvPr/>
+          </p:nvSpPr>
+          <p:spPr>
+            <a:xfrm>
+              <a:off x="10358" y="4041"/>
+              <a:ext cx="3386" cy="1448"/>
+            </a:xfrm>
+            <a:prstGeom prst="roundRect">
+              <a:avLst/>
+            </a:prstGeom>
+            <a:solidFill>
+              <a:schemeClr val="accent2">
+                <a:alpha val="31000"/>
+              </a:schemeClr>
+            </a:solidFill>
+            <a:ln w="25400">
+              <a:solidFill>
+                <a:schemeClr val="accent2"/>
+              </a:solidFill>
+            </a:ln>
+          </p:spPr>
+          <p:style>
+            <a:lnRef idx="2">
+              <a:schemeClr val="accent1">
+                <a:shade val="50000"/>
+              </a:schemeClr>
+            </a:lnRef>
+            <a:fillRef idx="1">
+              <a:schemeClr val="accent1"/>
+            </a:fillRef>
+            <a:effectRef idx="0">
+              <a:schemeClr val="accent1"/>
+            </a:effectRef>
+            <a:fontRef idx="minor">
+              <a:schemeClr val="lt1"/>
+            </a:fontRef>
+          </p:style>
+          <p:txBody>
+            <a:bodyPr rtlCol="0" anchor="ctr"/>
+            <a:p>
+              <a:pPr algn="ctr"/>
+              <a:endParaRPr lang="en-US"/>
+            </a:p>
+          </p:txBody>
+        </p:sp>
+        <mc:AlternateContent xmlns:mc="http://schemas.openxmlformats.org/markup-compatibility/2006">
+          <mc:Choice xmlns:a14="http://schemas.microsoft.com/office/drawing/2010/main" Requires="a14">
+            <p:sp>
+              <p:nvSpPr>
+                <p:cNvPr id="46" name="Text Box 45"/>
+                <p:cNvSpPr txBox="1"/>
+                <p:nvPr/>
+              </p:nvSpPr>
+              <p:spPr>
+                <a:xfrm>
+                  <a:off x="980" y="2480"/>
+                  <a:ext cx="1040" cy="826"/>
+                </a:xfrm>
+                <a:prstGeom prst="rect">
+                  <a:avLst/>
+                </a:prstGeom>
+                <a:noFill/>
+              </p:spPr>
+              <p:txBody>
+                <a:bodyPr wrap="square" rtlCol="0">
+                  <a:spAutoFit/>
+                </a:bodyPr>
+                <a:p>
+                  <a:pPr algn="ctr"/>
+                  <a14:m>
+                    <m:oMathPara xmlns:m="http://schemas.openxmlformats.org/officeDocument/2006/math">
+                      <m:oMathParaPr>
+                        <m:jc m:val="centerGroup"/>
+                      </m:oMathParaPr>
+                      <m:oMath xmlns:m="http://schemas.openxmlformats.org/officeDocument/2006/math">
+                        <m:r>
+                          <a:rPr lang="en-US" altLang="en-US" sz="1600" b="1" i="1">
+                            <a:latin typeface="DejaVu Math TeX Gyre" panose="02000503000000000000" charset="0"/>
+                            <a:cs typeface="DejaVu Math TeX Gyre" panose="02000503000000000000" charset="0"/>
+                          </a:rPr>
+                          <m:t>𝒛</m:t>
+                        </m:r>
+                      </m:oMath>
+                    </m:oMathPara>
+                  </a14:m>
+                  <a:endParaRPr lang="en-US" altLang="en-US" sz="1600" b="1">
+                    <a:latin typeface="Latin Modern Sans" panose="00000500000000000000" charset="0"/>
+                    <a:cs typeface="Latin Modern Sans" panose="00000500000000000000" charset="0"/>
+                  </a:endParaRPr>
+                </a:p>
+              </p:txBody>
+            </p:sp>
+          </mc:Choice>
+          <mc:Fallback>
+            <p:sp>
+              <p:nvSpPr>
+                <p:cNvPr id="46" name="Text Box 45"/>
+                <p:cNvSpPr txBox="1">
+                  <a:spLocks noRot="1" noChangeAspect="1" noMove="1" noResize="1" noEditPoints="1" noAdjustHandles="1" noChangeArrowheads="1" noChangeShapeType="1" noTextEdit="1"/>
+                </p:cNvSpPr>
+                <p:nvPr/>
+              </p:nvSpPr>
+              <p:spPr>
+                <a:xfrm>
+                  <a:off x="980" y="2480"/>
+                  <a:ext cx="1040" cy="826"/>
+                </a:xfrm>
+                <a:prstGeom prst="rect">
+                  <a:avLst/>
+                </a:prstGeom>
+                <a:blipFill rotWithShape="1">
+                  <a:blip r:embed="rId1"/>
+                </a:blipFill>
+              </p:spPr>
+              <p:txBody>
+                <a:bodyPr/>
+                <a:lstStyle/>
+                <a:p>
+                  <a:r>
+                    <a:rPr lang="en-US" altLang="en-US">
+                      <a:noFill/>
+                    </a:rPr>
+                    <a:t> </a:t>
+                  </a:r>
+                </a:p>
+              </p:txBody>
+            </p:sp>
+          </mc:Fallback>
+        </mc:AlternateContent>
+        <p:grpSp>
+          <p:nvGrpSpPr>
+            <p:cNvPr id="71" name="Group 70"/>
+            <p:cNvGrpSpPr/>
+            <p:nvPr/>
+          </p:nvGrpSpPr>
+          <p:grpSpPr>
+            <a:xfrm>
+              <a:off x="6503" y="2075"/>
+              <a:ext cx="2362" cy="2386"/>
+              <a:chOff x="6503" y="945"/>
+              <a:chExt cx="2362" cy="2386"/>
+            </a:xfrm>
+          </p:grpSpPr>
+          <p:sp>
+            <p:nvSpPr>
+              <p:cNvPr id="77" name="Rectangle 76"/>
+              <p:cNvSpPr/>
+              <p:nvPr/>
+            </p:nvSpPr>
+            <p:spPr>
+              <a:xfrm>
+                <a:off x="6503" y="945"/>
+                <a:ext cx="2362" cy="2386"/>
+              </a:xfrm>
+              <a:prstGeom prst="rect">
+                <a:avLst/>
+              </a:prstGeom>
+              <a:noFill/>
+              <a:ln>
+                <a:solidFill>
+                  <a:schemeClr val="tx1">
+                    <a:lumMod val="95000"/>
+                    <a:lumOff val="5000"/>
+                  </a:schemeClr>
+                </a:solidFill>
+              </a:ln>
+              <a:extLst>
+                <a:ext uri="{909E8E84-426E-40DD-AFC4-6F175D3DCCD1}">
+                  <a14:hiddenFill xmlns:a14="http://schemas.microsoft.com/office/drawing/2010/main">
+                    <a:solidFill>
+                      <a:schemeClr val="bg2"/>
+                    </a:solidFill>
+                  </a14:hiddenFill>
+                </a:ext>
+              </a:extLst>
+            </p:spPr>
+            <p:style>
+              <a:lnRef idx="2">
+                <a:schemeClr val="accent1">
+                  <a:shade val="50000"/>
+                </a:schemeClr>
+              </a:lnRef>
+              <a:fillRef idx="1">
+                <a:schemeClr val="accent1"/>
+              </a:fillRef>
+              <a:effectRef idx="0">
+                <a:schemeClr val="accent1"/>
+              </a:effectRef>
+              <a:fontRef idx="minor">
+                <a:schemeClr val="lt1"/>
+              </a:fontRef>
+            </p:style>
+            <p:txBody>
+              <a:bodyPr rtlCol="0" anchor="ctr"/>
+              <a:p>
+                <a:pPr algn="ctr"/>
+                <a:endParaRPr lang="en-US"/>
+              </a:p>
+            </p:txBody>
+          </p:sp>
+          <p:sp>
+            <p:nvSpPr>
+              <p:cNvPr id="4" name="Rectangle 3"/>
+              <p:cNvSpPr/>
+              <p:nvPr/>
+            </p:nvSpPr>
+            <p:spPr>
+              <a:xfrm>
+                <a:off x="8051" y="2506"/>
+                <a:ext cx="220" cy="220"/>
+              </a:xfrm>
+              <a:prstGeom prst="rect">
+                <a:avLst/>
+              </a:prstGeom>
+              <a:solidFill>
+                <a:schemeClr val="tx1"/>
+              </a:solidFill>
+              <a:ln>
+                <a:solidFill>
+                  <a:schemeClr val="tx1"/>
+                </a:solidFill>
+              </a:ln>
+            </p:spPr>
+            <p:style>
+              <a:lnRef idx="2">
+                <a:schemeClr val="accent1">
+                  <a:shade val="50000"/>
+                </a:schemeClr>
+              </a:lnRef>
+              <a:fillRef idx="1">
+                <a:schemeClr val="accent1"/>
+              </a:fillRef>
+              <a:effectRef idx="0">
+                <a:schemeClr val="accent1"/>
+              </a:effectRef>
+              <a:fontRef idx="minor">
+                <a:schemeClr val="lt1"/>
+              </a:fontRef>
+            </p:style>
+            <p:txBody>
+              <a:bodyPr rtlCol="0" anchor="ctr"/>
+              <a:p>
+                <a:pPr algn="ctr"/>
+                <a:endParaRPr lang="en-US"/>
+              </a:p>
+            </p:txBody>
+          </p:sp>
+          <p:sp>
+            <p:nvSpPr>
+              <p:cNvPr id="16" name="Freeform 15"/>
+              <p:cNvSpPr/>
+              <p:nvPr/>
+            </p:nvSpPr>
+            <p:spPr>
+              <a:xfrm rot="19980000">
+                <a:off x="7058" y="1342"/>
+                <a:ext cx="1158" cy="1540"/>
+              </a:xfrm>
+              <a:custGeom>
+                <a:avLst/>
+                <a:gdLst>
+                  <a:gd name="connisteX0" fmla="*/ 1178018 w 1647292"/>
+                  <a:gd name="connsiteY0" fmla="*/ 1927579 h 1927579"/>
+                  <a:gd name="connisteX1" fmla="*/ 1178018 w 1647292"/>
+                  <a:gd name="connsiteY1" fmla="*/ 1851379 h 1927579"/>
+                  <a:gd name="connisteX2" fmla="*/ 1178018 w 1647292"/>
+                  <a:gd name="connsiteY2" fmla="*/ 1762479 h 1927579"/>
+                  <a:gd name="connisteX3" fmla="*/ 1178018 w 1647292"/>
+                  <a:gd name="connsiteY3" fmla="*/ 1660879 h 1927579"/>
+                  <a:gd name="connisteX4" fmla="*/ 1152618 w 1647292"/>
+                  <a:gd name="connsiteY4" fmla="*/ 1546579 h 1927579"/>
+                  <a:gd name="connisteX5" fmla="*/ 1152618 w 1647292"/>
+                  <a:gd name="connsiteY5" fmla="*/ 1457679 h 1927579"/>
+                  <a:gd name="connisteX6" fmla="*/ 1127218 w 1647292"/>
+                  <a:gd name="connsiteY6" fmla="*/ 1343379 h 1927579"/>
+                  <a:gd name="connisteX7" fmla="*/ 1063718 w 1647292"/>
+                  <a:gd name="connsiteY7" fmla="*/ 1165579 h 1927579"/>
+                  <a:gd name="connisteX8" fmla="*/ 1012918 w 1647292"/>
+                  <a:gd name="connsiteY8" fmla="*/ 1051279 h 1927579"/>
+                  <a:gd name="connisteX9" fmla="*/ 949418 w 1647292"/>
+                  <a:gd name="connsiteY9" fmla="*/ 911579 h 1927579"/>
+                  <a:gd name="connisteX10" fmla="*/ 911318 w 1647292"/>
+                  <a:gd name="connsiteY10" fmla="*/ 797279 h 1927579"/>
+                  <a:gd name="connisteX11" fmla="*/ 771618 w 1647292"/>
+                  <a:gd name="connsiteY11" fmla="*/ 606779 h 1927579"/>
+                  <a:gd name="connisteX12" fmla="*/ 682718 w 1647292"/>
+                  <a:gd name="connsiteY12" fmla="*/ 517879 h 1927579"/>
+                  <a:gd name="connisteX13" fmla="*/ 530318 w 1647292"/>
+                  <a:gd name="connsiteY13" fmla="*/ 378179 h 1927579"/>
+                  <a:gd name="connisteX14" fmla="*/ 441418 w 1647292"/>
+                  <a:gd name="connsiteY14" fmla="*/ 263879 h 1927579"/>
+                  <a:gd name="connisteX15" fmla="*/ 365218 w 1647292"/>
+                  <a:gd name="connsiteY15" fmla="*/ 187679 h 1927579"/>
+                  <a:gd name="connisteX16" fmla="*/ 276318 w 1647292"/>
+                  <a:gd name="connsiteY16" fmla="*/ 136879 h 1927579"/>
+                  <a:gd name="connisteX17" fmla="*/ 174718 w 1647292"/>
+                  <a:gd name="connsiteY17" fmla="*/ 47979 h 1927579"/>
+                  <a:gd name="connisteX18" fmla="*/ 85818 w 1647292"/>
+                  <a:gd name="connsiteY18" fmla="*/ 9879 h 1927579"/>
+                  <a:gd name="connisteX19" fmla="*/ 9618 w 1647292"/>
+                  <a:gd name="connsiteY19" fmla="*/ 9879 h 1927579"/>
+                  <a:gd name="connisteX20" fmla="*/ 9618 w 1647292"/>
+                  <a:gd name="connsiteY20" fmla="*/ 98779 h 1927579"/>
+                  <a:gd name="connisteX21" fmla="*/ 60418 w 1647292"/>
+                  <a:gd name="connsiteY21" fmla="*/ 187679 h 1927579"/>
+                  <a:gd name="connisteX22" fmla="*/ 98518 w 1647292"/>
+                  <a:gd name="connsiteY22" fmla="*/ 263879 h 1927579"/>
+                  <a:gd name="connisteX23" fmla="*/ 149318 w 1647292"/>
+                  <a:gd name="connsiteY23" fmla="*/ 340079 h 1927579"/>
+                  <a:gd name="connisteX24" fmla="*/ 225518 w 1647292"/>
+                  <a:gd name="connsiteY24" fmla="*/ 365479 h 1927579"/>
+                  <a:gd name="connisteX25" fmla="*/ 314418 w 1647292"/>
+                  <a:gd name="connsiteY25" fmla="*/ 378179 h 1927579"/>
+                  <a:gd name="connisteX26" fmla="*/ 403318 w 1647292"/>
+                  <a:gd name="connsiteY26" fmla="*/ 352779 h 1927579"/>
+                  <a:gd name="connisteX27" fmla="*/ 492218 w 1647292"/>
+                  <a:gd name="connsiteY27" fmla="*/ 327379 h 1927579"/>
+                  <a:gd name="connisteX28" fmla="*/ 644618 w 1647292"/>
+                  <a:gd name="connsiteY28" fmla="*/ 314679 h 1927579"/>
+                  <a:gd name="connisteX29" fmla="*/ 797018 w 1647292"/>
+                  <a:gd name="connsiteY29" fmla="*/ 289279 h 1927579"/>
+                  <a:gd name="connisteX30" fmla="*/ 873218 w 1647292"/>
+                  <a:gd name="connsiteY30" fmla="*/ 289279 h 1927579"/>
+                  <a:gd name="connisteX31" fmla="*/ 974818 w 1647292"/>
+                  <a:gd name="connsiteY31" fmla="*/ 289279 h 1927579"/>
+                  <a:gd name="connisteX32" fmla="*/ 1051018 w 1647292"/>
+                  <a:gd name="connsiteY32" fmla="*/ 289279 h 1927579"/>
+                  <a:gd name="connisteX33" fmla="*/ 1165318 w 1647292"/>
+                  <a:gd name="connsiteY33" fmla="*/ 289279 h 1927579"/>
+                  <a:gd name="connisteX34" fmla="*/ 1292318 w 1647292"/>
+                  <a:gd name="connsiteY34" fmla="*/ 289279 h 1927579"/>
+                  <a:gd name="connisteX35" fmla="*/ 1368518 w 1647292"/>
+                  <a:gd name="connsiteY35" fmla="*/ 289279 h 1927579"/>
+                  <a:gd name="connisteX36" fmla="*/ 1444718 w 1647292"/>
+                  <a:gd name="connsiteY36" fmla="*/ 301979 h 1927579"/>
+                  <a:gd name="connisteX37" fmla="*/ 1546318 w 1647292"/>
+                  <a:gd name="connsiteY37" fmla="*/ 365479 h 1927579"/>
+                  <a:gd name="connisteX38" fmla="*/ 1571718 w 1647292"/>
+                  <a:gd name="connsiteY38" fmla="*/ 441679 h 1927579"/>
+                  <a:gd name="connisteX39" fmla="*/ 1584418 w 1647292"/>
+                  <a:gd name="connsiteY39" fmla="*/ 555979 h 1927579"/>
+                  <a:gd name="connisteX40" fmla="*/ 1597118 w 1647292"/>
+                  <a:gd name="connsiteY40" fmla="*/ 657579 h 1927579"/>
+                  <a:gd name="connisteX41" fmla="*/ 1584418 w 1647292"/>
+                  <a:gd name="connsiteY41" fmla="*/ 759179 h 1927579"/>
+                  <a:gd name="connisteX42" fmla="*/ 1533618 w 1647292"/>
+                  <a:gd name="connsiteY42" fmla="*/ 848079 h 1927579"/>
+                  <a:gd name="connisteX43" fmla="*/ 1508218 w 1647292"/>
+                  <a:gd name="connsiteY43" fmla="*/ 936979 h 1927579"/>
+                  <a:gd name="connisteX44" fmla="*/ 1495518 w 1647292"/>
+                  <a:gd name="connsiteY44" fmla="*/ 1013179 h 1927579"/>
+                  <a:gd name="connisteX45" fmla="*/ 1495518 w 1647292"/>
+                  <a:gd name="connsiteY45" fmla="*/ 1089379 h 1927579"/>
+                  <a:gd name="connisteX46" fmla="*/ 1520918 w 1647292"/>
+                  <a:gd name="connsiteY46" fmla="*/ 1178279 h 1927579"/>
+                  <a:gd name="connisteX47" fmla="*/ 1597118 w 1647292"/>
+                  <a:gd name="connsiteY47" fmla="*/ 1267179 h 1927579"/>
+                  <a:gd name="connisteX48" fmla="*/ 1635218 w 1647292"/>
+                  <a:gd name="connsiteY48" fmla="*/ 1356079 h 1927579"/>
+                  <a:gd name="connisteX49" fmla="*/ 1635218 w 1647292"/>
+                  <a:gd name="connsiteY49" fmla="*/ 1444979 h 1927579"/>
+                  <a:gd name="connisteX50" fmla="*/ 1520918 w 1647292"/>
+                  <a:gd name="connsiteY50" fmla="*/ 1521179 h 1927579"/>
+                  <a:gd name="connisteX51" fmla="*/ 1444718 w 1647292"/>
+                  <a:gd name="connsiteY51" fmla="*/ 1546579 h 1927579"/>
+                  <a:gd name="connisteX52" fmla="*/ 1368518 w 1647292"/>
+                  <a:gd name="connsiteY52" fmla="*/ 1622779 h 1927579"/>
+                  <a:gd name="connisteX53" fmla="*/ 1330418 w 1647292"/>
+                  <a:gd name="connsiteY53" fmla="*/ 1698979 h 1927579"/>
+                  <a:gd name="connisteX54" fmla="*/ 1317718 w 1647292"/>
+                  <a:gd name="connsiteY54" fmla="*/ 1775179 h 1927579"/>
+                  <a:gd name="connisteX55" fmla="*/ 1330418 w 1647292"/>
+                  <a:gd name="connsiteY55" fmla="*/ 1851379 h 1927579"/>
+                </a:gdLst>
+                <a:ahLst/>
+                <a:cxnLst>
+                  <a:cxn ang="0">
+                    <a:pos x="connisteX0" y="connsiteY0"/>
+                  </a:cxn>
+                  <a:cxn ang="0">
+                    <a:pos x="connisteX1" y="connsiteY1"/>
+                  </a:cxn>
+                  <a:cxn ang="0">
+                    <a:pos x="connisteX2" y="connsiteY2"/>
+                  </a:cxn>
+                  <a:cxn ang="0">
+                    <a:pos x="connisteX3" y="connsiteY3"/>
+                  </a:cxn>
+                  <a:cxn ang="0">
+                    <a:pos x="connisteX4" y="connsiteY4"/>
+                  </a:cxn>
+                  <a:cxn ang="0">
+                    <a:pos x="connisteX5" y="connsiteY5"/>
+                  </a:cxn>
+                  <a:cxn ang="0">
+                    <a:pos x="connisteX6" y="connsiteY6"/>
+                  </a:cxn>
+                  <a:cxn ang="0">
+                    <a:pos x="connisteX7" y="connsiteY7"/>
+                  </a:cxn>
+                  <a:cxn ang="0">
+                    <a:pos x="connisteX8" y="connsiteY8"/>
+                  </a:cxn>
+                  <a:cxn ang="0">
+                    <a:pos x="connisteX9" y="connsiteY9"/>
+                  </a:cxn>
+                  <a:cxn ang="0">
+                    <a:pos x="connisteX10" y="connsiteY10"/>
+                  </a:cxn>
+                  <a:cxn ang="0">
+                    <a:pos x="connisteX11" y="connsiteY11"/>
+                  </a:cxn>
+                  <a:cxn ang="0">
+                    <a:pos x="connisteX12" y="connsiteY12"/>
+                  </a:cxn>
+                  <a:cxn ang="0">
+                    <a:pos x="connisteX13" y="connsiteY13"/>
+                  </a:cxn>
+                  <a:cxn ang="0">
+                    <a:pos x="connisteX14" y="connsiteY14"/>
+                  </a:cxn>
+                  <a:cxn ang="0">
+                    <a:pos x="connisteX15" y="connsiteY15"/>
+                  </a:cxn>
+                  <a:cxn ang="0">
+                    <a:pos x="connisteX16" y="connsiteY16"/>
+                  </a:cxn>
+                  <a:cxn ang="0">
+                    <a:pos x="connisteX17" y="connsiteY17"/>
+                  </a:cxn>
+                  <a:cxn ang="0">
+                    <a:pos x="connisteX18" y="connsiteY18"/>
+                  </a:cxn>
+                  <a:cxn ang="0">
+                    <a:pos x="connisteX19" y="connsiteY19"/>
+                  </a:cxn>
+                  <a:cxn ang="0">
+                    <a:pos x="connisteX20" y="connsiteY20"/>
+                  </a:cxn>
+                  <a:cxn ang="0">
+                    <a:pos x="connisteX21" y="connsiteY21"/>
+                  </a:cxn>
+                  <a:cxn ang="0">
+                    <a:pos x="connisteX22" y="connsiteY22"/>
+                  </a:cxn>
+                  <a:cxn ang="0">
+                    <a:pos x="connisteX23" y="connsiteY23"/>
+                  </a:cxn>
+                  <a:cxn ang="0">
+                    <a:pos x="connisteX24" y="connsiteY24"/>
+                  </a:cxn>
+                  <a:cxn ang="0">
+                    <a:pos x="connisteX25" y="connsiteY25"/>
+                  </a:cxn>
+                  <a:cxn ang="0">
+                    <a:pos x="connisteX26" y="connsiteY26"/>
+                  </a:cxn>
+                  <a:cxn ang="0">
+                    <a:pos x="connisteX27" y="connsiteY27"/>
+                  </a:cxn>
+                  <a:cxn ang="0">
+                    <a:pos x="connisteX28" y="connsiteY28"/>
+                  </a:cxn>
+                  <a:cxn ang="0">
+                    <a:pos x="connisteX29" y="connsiteY29"/>
+                  </a:cxn>
+                  <a:cxn ang="0">
+                    <a:pos x="connisteX30" y="connsiteY30"/>
+                  </a:cxn>
+                  <a:cxn ang="0">
+                    <a:pos x="connisteX31" y="connsiteY31"/>
+                  </a:cxn>
+                  <a:cxn ang="0">
+                    <a:pos x="connisteX32" y="connsiteY32"/>
+                  </a:cxn>
+                  <a:cxn ang="0">
+                    <a:pos x="connisteX33" y="connsiteY33"/>
+                  </a:cxn>
+                  <a:cxn ang="0">
+                    <a:pos x="connisteX34" y="connsiteY34"/>
+                  </a:cxn>
+                  <a:cxn ang="0">
+                    <a:pos x="connisteX35" y="connsiteY35"/>
+                  </a:cxn>
+                  <a:cxn ang="0">
+                    <a:pos x="connisteX36" y="connsiteY36"/>
+                  </a:cxn>
+                  <a:cxn ang="0">
+                    <a:pos x="connisteX37" y="connsiteY37"/>
+                  </a:cxn>
+                  <a:cxn ang="0">
+                    <a:pos x="connisteX38" y="connsiteY38"/>
+                  </a:cxn>
+                  <a:cxn ang="0">
+                    <a:pos x="connisteX39" y="connsiteY39"/>
+                  </a:cxn>
+                  <a:cxn ang="0">
+                    <a:pos x="connisteX40" y="connsiteY40"/>
+                  </a:cxn>
+                  <a:cxn ang="0">
+                    <a:pos x="connisteX41" y="connsiteY41"/>
+                  </a:cxn>
+                  <a:cxn ang="0">
+                    <a:pos x="connisteX42" y="connsiteY42"/>
+                  </a:cxn>
+                  <a:cxn ang="0">
+                    <a:pos x="connisteX43" y="connsiteY43"/>
+                  </a:cxn>
+                  <a:cxn ang="0">
+                    <a:pos x="connisteX44" y="connsiteY44"/>
+                  </a:cxn>
+                  <a:cxn ang="0">
+                    <a:pos x="connisteX45" y="connsiteY45"/>
+                  </a:cxn>
+                  <a:cxn ang="0">
+                    <a:pos x="connisteX46" y="connsiteY46"/>
+                  </a:cxn>
+                  <a:cxn ang="0">
+                    <a:pos x="connisteX47" y="connsiteY47"/>
+                  </a:cxn>
+                  <a:cxn ang="0">
+                    <a:pos x="connisteX48" y="connsiteY48"/>
+                  </a:cxn>
+                  <a:cxn ang="0">
+                    <a:pos x="connisteX49" y="connsiteY49"/>
+                  </a:cxn>
+                  <a:cxn ang="0">
+                    <a:pos x="connisteX50" y="connsiteY50"/>
+                  </a:cxn>
+                  <a:cxn ang="0">
+                    <a:pos x="connisteX51" y="connsiteY51"/>
+                  </a:cxn>
+                  <a:cxn ang="0">
+                    <a:pos x="connisteX52" y="connsiteY52"/>
+                  </a:cxn>
+                  <a:cxn ang="0">
+                    <a:pos x="connisteX53" y="connsiteY53"/>
+                  </a:cxn>
+                  <a:cxn ang="0">
+                    <a:pos x="connisteX54" y="connsiteY54"/>
+                  </a:cxn>
+                  <a:cxn ang="0">
+                    <a:pos x="connisteX55" y="connsiteY55"/>
+                  </a:cxn>
+                </a:cxnLst>
+                <a:rect l="l" t="t" r="r" b="b"/>
+                <a:pathLst>
+                  <a:path w="1647292" h="1927580">
+                    <a:moveTo>
+                      <a:pt x="1178018" y="1927580"/>
+                    </a:moveTo>
+                    <a:cubicBezTo>
+                      <a:pt x="1178018" y="1914245"/>
+                      <a:pt x="1178018" y="1884400"/>
+                      <a:pt x="1178018" y="1851380"/>
+                    </a:cubicBezTo>
+                    <a:cubicBezTo>
+                      <a:pt x="1178018" y="1818360"/>
+                      <a:pt x="1178018" y="1800580"/>
+                      <a:pt x="1178018" y="1762480"/>
+                    </a:cubicBezTo>
+                    <a:cubicBezTo>
+                      <a:pt x="1178018" y="1724380"/>
+                      <a:pt x="1183098" y="1704060"/>
+                      <a:pt x="1178018" y="1660880"/>
+                    </a:cubicBezTo>
+                    <a:cubicBezTo>
+                      <a:pt x="1172938" y="1617700"/>
+                      <a:pt x="1157698" y="1587220"/>
+                      <a:pt x="1152618" y="1546580"/>
+                    </a:cubicBezTo>
+                    <a:cubicBezTo>
+                      <a:pt x="1147538" y="1505940"/>
+                      <a:pt x="1157698" y="1498320"/>
+                      <a:pt x="1152618" y="1457680"/>
+                    </a:cubicBezTo>
+                    <a:cubicBezTo>
+                      <a:pt x="1147538" y="1417040"/>
+                      <a:pt x="1144998" y="1401800"/>
+                      <a:pt x="1127218" y="1343380"/>
+                    </a:cubicBezTo>
+                    <a:cubicBezTo>
+                      <a:pt x="1109438" y="1284960"/>
+                      <a:pt x="1086578" y="1224000"/>
+                      <a:pt x="1063718" y="1165580"/>
+                    </a:cubicBezTo>
+                    <a:cubicBezTo>
+                      <a:pt x="1040858" y="1107160"/>
+                      <a:pt x="1035778" y="1102080"/>
+                      <a:pt x="1012918" y="1051280"/>
+                    </a:cubicBezTo>
+                    <a:cubicBezTo>
+                      <a:pt x="990058" y="1000480"/>
+                      <a:pt x="969738" y="962380"/>
+                      <a:pt x="949418" y="911580"/>
+                    </a:cubicBezTo>
+                    <a:cubicBezTo>
+                      <a:pt x="929098" y="860780"/>
+                      <a:pt x="946878" y="858240"/>
+                      <a:pt x="911318" y="797280"/>
+                    </a:cubicBezTo>
+                    <a:cubicBezTo>
+                      <a:pt x="875758" y="736320"/>
+                      <a:pt x="817338" y="662660"/>
+                      <a:pt x="771618" y="606780"/>
+                    </a:cubicBezTo>
+                    <a:cubicBezTo>
+                      <a:pt x="725898" y="550900"/>
+                      <a:pt x="730978" y="563600"/>
+                      <a:pt x="682718" y="517880"/>
+                    </a:cubicBezTo>
+                    <a:cubicBezTo>
+                      <a:pt x="634458" y="472160"/>
+                      <a:pt x="578578" y="428980"/>
+                      <a:pt x="530318" y="378180"/>
+                    </a:cubicBezTo>
+                    <a:cubicBezTo>
+                      <a:pt x="482058" y="327380"/>
+                      <a:pt x="474438" y="301980"/>
+                      <a:pt x="441418" y="263880"/>
+                    </a:cubicBezTo>
+                    <a:cubicBezTo>
+                      <a:pt x="408398" y="225780"/>
+                      <a:pt x="398238" y="213080"/>
+                      <a:pt x="365218" y="187680"/>
+                    </a:cubicBezTo>
+                    <a:cubicBezTo>
+                      <a:pt x="332198" y="162280"/>
+                      <a:pt x="314418" y="164820"/>
+                      <a:pt x="276318" y="136880"/>
+                    </a:cubicBezTo>
+                    <a:cubicBezTo>
+                      <a:pt x="238218" y="108940"/>
+                      <a:pt x="212818" y="73380"/>
+                      <a:pt x="174718" y="47980"/>
+                    </a:cubicBezTo>
+                    <a:cubicBezTo>
+                      <a:pt x="136618" y="22580"/>
+                      <a:pt x="118838" y="17500"/>
+                      <a:pt x="85818" y="9880"/>
+                    </a:cubicBezTo>
+                    <a:cubicBezTo>
+                      <a:pt x="52798" y="2260"/>
+                      <a:pt x="24858" y="-7900"/>
+                      <a:pt x="9618" y="9880"/>
+                    </a:cubicBezTo>
+                    <a:cubicBezTo>
+                      <a:pt x="-5622" y="27660"/>
+                      <a:pt x="-542" y="63220"/>
+                      <a:pt x="9618" y="98780"/>
+                    </a:cubicBezTo>
+                    <a:cubicBezTo>
+                      <a:pt x="19778" y="134340"/>
+                      <a:pt x="42638" y="154660"/>
+                      <a:pt x="60418" y="187680"/>
+                    </a:cubicBezTo>
+                    <a:cubicBezTo>
+                      <a:pt x="78198" y="220700"/>
+                      <a:pt x="80738" y="233400"/>
+                      <a:pt x="98518" y="263880"/>
+                    </a:cubicBezTo>
+                    <a:cubicBezTo>
+                      <a:pt x="116298" y="294360"/>
+                      <a:pt x="123918" y="319760"/>
+                      <a:pt x="149318" y="340080"/>
+                    </a:cubicBezTo>
+                    <a:cubicBezTo>
+                      <a:pt x="174718" y="360400"/>
+                      <a:pt x="192498" y="357860"/>
+                      <a:pt x="225518" y="365480"/>
+                    </a:cubicBezTo>
+                    <a:cubicBezTo>
+                      <a:pt x="258538" y="373100"/>
+                      <a:pt x="278858" y="380720"/>
+                      <a:pt x="314418" y="378180"/>
+                    </a:cubicBezTo>
+                    <a:cubicBezTo>
+                      <a:pt x="349978" y="375640"/>
+                      <a:pt x="367758" y="362940"/>
+                      <a:pt x="403318" y="352780"/>
+                    </a:cubicBezTo>
+                    <a:cubicBezTo>
+                      <a:pt x="438878" y="342620"/>
+                      <a:pt x="443958" y="335000"/>
+                      <a:pt x="492218" y="327380"/>
+                    </a:cubicBezTo>
+                    <a:cubicBezTo>
+                      <a:pt x="540478" y="319760"/>
+                      <a:pt x="583658" y="322300"/>
+                      <a:pt x="644618" y="314680"/>
+                    </a:cubicBezTo>
+                    <a:cubicBezTo>
+                      <a:pt x="705578" y="307060"/>
+                      <a:pt x="751298" y="294360"/>
+                      <a:pt x="797018" y="289280"/>
+                    </a:cubicBezTo>
+                    <a:cubicBezTo>
+                      <a:pt x="842738" y="284200"/>
+                      <a:pt x="837658" y="289280"/>
+                      <a:pt x="873218" y="289280"/>
+                    </a:cubicBezTo>
+                    <a:cubicBezTo>
+                      <a:pt x="908778" y="289280"/>
+                      <a:pt x="939258" y="289280"/>
+                      <a:pt x="974818" y="289280"/>
+                    </a:cubicBezTo>
+                    <a:cubicBezTo>
+                      <a:pt x="1010378" y="289280"/>
+                      <a:pt x="1012918" y="289280"/>
+                      <a:pt x="1051018" y="289280"/>
+                    </a:cubicBezTo>
+                    <a:cubicBezTo>
+                      <a:pt x="1089118" y="289280"/>
+                      <a:pt x="1117058" y="289280"/>
+                      <a:pt x="1165318" y="289280"/>
+                    </a:cubicBezTo>
+                    <a:cubicBezTo>
+                      <a:pt x="1213578" y="289280"/>
+                      <a:pt x="1251678" y="289280"/>
+                      <a:pt x="1292318" y="289280"/>
+                    </a:cubicBezTo>
+                    <a:cubicBezTo>
+                      <a:pt x="1332958" y="289280"/>
+                      <a:pt x="1338038" y="286740"/>
+                      <a:pt x="1368518" y="289280"/>
+                    </a:cubicBezTo>
+                    <a:cubicBezTo>
+                      <a:pt x="1398998" y="291820"/>
+                      <a:pt x="1409158" y="286740"/>
+                      <a:pt x="1444718" y="301980"/>
+                    </a:cubicBezTo>
+                    <a:cubicBezTo>
+                      <a:pt x="1480278" y="317220"/>
+                      <a:pt x="1520918" y="337540"/>
+                      <a:pt x="1546318" y="365480"/>
+                    </a:cubicBezTo>
+                    <a:cubicBezTo>
+                      <a:pt x="1571718" y="393420"/>
+                      <a:pt x="1564098" y="403580"/>
+                      <a:pt x="1571718" y="441680"/>
+                    </a:cubicBezTo>
+                    <a:cubicBezTo>
+                      <a:pt x="1579338" y="479780"/>
+                      <a:pt x="1579338" y="512800"/>
+                      <a:pt x="1584418" y="555980"/>
+                    </a:cubicBezTo>
+                    <a:cubicBezTo>
+                      <a:pt x="1589498" y="599160"/>
+                      <a:pt x="1597118" y="616940"/>
+                      <a:pt x="1597118" y="657580"/>
+                    </a:cubicBezTo>
+                    <a:cubicBezTo>
+                      <a:pt x="1597118" y="698220"/>
+                      <a:pt x="1597118" y="721080"/>
+                      <a:pt x="1584418" y="759180"/>
+                    </a:cubicBezTo>
+                    <a:cubicBezTo>
+                      <a:pt x="1571718" y="797280"/>
+                      <a:pt x="1548858" y="812520"/>
+                      <a:pt x="1533618" y="848080"/>
+                    </a:cubicBezTo>
+                    <a:cubicBezTo>
+                      <a:pt x="1518378" y="883640"/>
+                      <a:pt x="1515838" y="903960"/>
+                      <a:pt x="1508218" y="936980"/>
+                    </a:cubicBezTo>
+                    <a:cubicBezTo>
+                      <a:pt x="1500598" y="970000"/>
+                      <a:pt x="1498058" y="982700"/>
+                      <a:pt x="1495518" y="1013180"/>
+                    </a:cubicBezTo>
+                    <a:cubicBezTo>
+                      <a:pt x="1492978" y="1043660"/>
+                      <a:pt x="1490438" y="1056360"/>
+                      <a:pt x="1495518" y="1089380"/>
+                    </a:cubicBezTo>
+                    <a:cubicBezTo>
+                      <a:pt x="1500598" y="1122400"/>
+                      <a:pt x="1500598" y="1142720"/>
+                      <a:pt x="1520918" y="1178280"/>
+                    </a:cubicBezTo>
+                    <a:cubicBezTo>
+                      <a:pt x="1541238" y="1213840"/>
+                      <a:pt x="1574258" y="1231620"/>
+                      <a:pt x="1597118" y="1267180"/>
+                    </a:cubicBezTo>
+                    <a:cubicBezTo>
+                      <a:pt x="1619978" y="1302740"/>
+                      <a:pt x="1627598" y="1320520"/>
+                      <a:pt x="1635218" y="1356080"/>
+                    </a:cubicBezTo>
+                    <a:cubicBezTo>
+                      <a:pt x="1642838" y="1391640"/>
+                      <a:pt x="1658078" y="1411960"/>
+                      <a:pt x="1635218" y="1444980"/>
+                    </a:cubicBezTo>
+                    <a:cubicBezTo>
+                      <a:pt x="1612358" y="1478000"/>
+                      <a:pt x="1559018" y="1500860"/>
+                      <a:pt x="1520918" y="1521180"/>
+                    </a:cubicBezTo>
+                    <a:cubicBezTo>
+                      <a:pt x="1482818" y="1541500"/>
+                      <a:pt x="1475198" y="1526260"/>
+                      <a:pt x="1444718" y="1546580"/>
+                    </a:cubicBezTo>
+                    <a:cubicBezTo>
+                      <a:pt x="1414238" y="1566900"/>
+                      <a:pt x="1391378" y="1592300"/>
+                      <a:pt x="1368518" y="1622780"/>
+                    </a:cubicBezTo>
+                    <a:cubicBezTo>
+                      <a:pt x="1345658" y="1653260"/>
+                      <a:pt x="1340578" y="1668500"/>
+                      <a:pt x="1330418" y="1698980"/>
+                    </a:cubicBezTo>
+                    <a:cubicBezTo>
+                      <a:pt x="1320258" y="1729460"/>
+                      <a:pt x="1317718" y="1744700"/>
+                      <a:pt x="1317718" y="1775180"/>
+                    </a:cubicBezTo>
+                    <a:cubicBezTo>
+                      <a:pt x="1317718" y="1805660"/>
+                      <a:pt x="1327878" y="1837410"/>
+                      <a:pt x="1330418" y="1851380"/>
+                    </a:cubicBezTo>
+                  </a:path>
+                </a:pathLst>
+              </a:custGeom>
+              <a:noFill/>
+              <a:ln w="19050">
+                <a:solidFill>
+                  <a:schemeClr val="tx1"/>
+                </a:solidFill>
+                <a:prstDash val="dash"/>
+              </a:ln>
+            </p:spPr>
+            <p:style>
+              <a:lnRef idx="2">
+                <a:schemeClr val="accent1">
+                  <a:shade val="50000"/>
+                </a:schemeClr>
+              </a:lnRef>
+              <a:fillRef idx="1">
+                <a:schemeClr val="accent1"/>
+              </a:fillRef>
+              <a:effectRef idx="0">
+                <a:schemeClr val="accent1"/>
+              </a:effectRef>
+              <a:fontRef idx="minor">
+                <a:schemeClr val="lt1"/>
+              </a:fontRef>
+            </p:style>
+            <p:txBody>
+              <a:bodyPr rtlCol="0" anchor="ctr"/>
+              <a:p>
+                <a:pPr algn="ctr"/>
+                <a:endParaRPr lang="en-US"/>
+              </a:p>
+            </p:txBody>
+          </p:sp>
+          <p:sp>
+            <p:nvSpPr>
+              <p:cNvPr id="17" name="Oval 16"/>
+              <p:cNvSpPr/>
+              <p:nvPr/>
+            </p:nvSpPr>
+            <p:spPr>
+              <a:xfrm>
+                <a:off x="8171" y="2087"/>
+                <a:ext cx="169" cy="182"/>
+              </a:xfrm>
+              <a:prstGeom prst="ellipse">
+                <a:avLst/>
+              </a:prstGeom>
+              <a:solidFill>
+                <a:schemeClr val="bg1"/>
+              </a:solidFill>
+              <a:ln>
+                <a:solidFill>
+                  <a:schemeClr val="tx1">
+                    <a:lumMod val="95000"/>
+                    <a:lumOff val="5000"/>
+                  </a:schemeClr>
+                </a:solidFill>
+              </a:ln>
+            </p:spPr>
+            <p:style>
+              <a:lnRef idx="2">
+                <a:schemeClr val="accent1">
+                  <a:shade val="50000"/>
+                </a:schemeClr>
+              </a:lnRef>
+              <a:fillRef idx="1">
+                <a:schemeClr val="accent1"/>
+              </a:fillRef>
+              <a:effectRef idx="0">
+                <a:schemeClr val="accent1"/>
+              </a:effectRef>
+              <a:fontRef idx="minor">
+                <a:schemeClr val="lt1"/>
+              </a:fontRef>
+            </p:style>
+            <p:txBody>
+              <a:bodyPr rtlCol="0" anchor="ctr"/>
+              <a:p>
+                <a:pPr algn="ctr"/>
+                <a:endParaRPr lang="en-US"/>
+              </a:p>
+            </p:txBody>
+          </p:sp>
+          <p:sp>
+            <p:nvSpPr>
+              <p:cNvPr id="18" name="Oval 17"/>
+              <p:cNvSpPr/>
+              <p:nvPr/>
+            </p:nvSpPr>
+            <p:spPr>
+              <a:xfrm>
+                <a:off x="8002" y="1709"/>
+                <a:ext cx="169" cy="182"/>
+              </a:xfrm>
+              <a:prstGeom prst="ellipse">
+                <a:avLst/>
+              </a:prstGeom>
+              <a:solidFill>
+                <a:schemeClr val="bg1"/>
+              </a:solidFill>
+              <a:ln>
+                <a:solidFill>
+                  <a:schemeClr val="tx1">
+                    <a:lumMod val="95000"/>
+                    <a:lumOff val="5000"/>
+                  </a:schemeClr>
+                </a:solidFill>
+              </a:ln>
+            </p:spPr>
+            <p:style>
+              <a:lnRef idx="2">
+                <a:schemeClr val="accent1">
+                  <a:shade val="50000"/>
+                </a:schemeClr>
+              </a:lnRef>
+              <a:fillRef idx="1">
+                <a:schemeClr val="accent1"/>
+              </a:fillRef>
+              <a:effectRef idx="0">
+                <a:schemeClr val="accent1"/>
+              </a:effectRef>
+              <a:fontRef idx="minor">
+                <a:schemeClr val="lt1"/>
+              </a:fontRef>
+            </p:style>
+            <p:txBody>
+              <a:bodyPr rtlCol="0" anchor="ctr"/>
+              <a:p>
+                <a:pPr algn="ctr"/>
+                <a:endParaRPr lang="en-US"/>
+              </a:p>
+            </p:txBody>
+          </p:sp>
+          <p:sp>
+            <p:nvSpPr>
+              <p:cNvPr id="19" name="Oval 18"/>
+              <p:cNvSpPr/>
+              <p:nvPr/>
+            </p:nvSpPr>
+            <p:spPr>
+              <a:xfrm>
+                <a:off x="7640" y="1379"/>
+                <a:ext cx="169" cy="182"/>
+              </a:xfrm>
+              <a:prstGeom prst="ellipse">
+                <a:avLst/>
+              </a:prstGeom>
+              <a:solidFill>
+                <a:schemeClr val="bg1"/>
+              </a:solidFill>
+              <a:ln>
+                <a:solidFill>
+                  <a:schemeClr val="tx1">
+                    <a:lumMod val="95000"/>
+                    <a:lumOff val="5000"/>
+                  </a:schemeClr>
+                </a:solidFill>
+              </a:ln>
+            </p:spPr>
+            <p:style>
+              <a:lnRef idx="2">
+                <a:schemeClr val="accent1">
+                  <a:shade val="50000"/>
+                </a:schemeClr>
+              </a:lnRef>
+              <a:fillRef idx="1">
+                <a:schemeClr val="accent1"/>
+              </a:fillRef>
+              <a:effectRef idx="0">
+                <a:schemeClr val="accent1"/>
+              </a:effectRef>
+              <a:fontRef idx="minor">
+                <a:schemeClr val="lt1"/>
+              </a:fontRef>
+            </p:style>
+            <p:txBody>
+              <a:bodyPr rtlCol="0" anchor="ctr"/>
+              <a:p>
+                <a:pPr algn="ctr"/>
+                <a:endParaRPr lang="en-US"/>
+              </a:p>
+            </p:txBody>
+          </p:sp>
+          <p:sp>
+            <p:nvSpPr>
+              <p:cNvPr id="21" name="Oval 20"/>
+              <p:cNvSpPr/>
+              <p:nvPr/>
+            </p:nvSpPr>
+            <p:spPr>
+              <a:xfrm>
+                <a:off x="6942" y="1809"/>
+                <a:ext cx="169" cy="182"/>
+              </a:xfrm>
+              <a:prstGeom prst="ellipse">
+                <a:avLst/>
+              </a:prstGeom>
+              <a:solidFill>
+                <a:schemeClr val="bg1"/>
+              </a:solidFill>
+              <a:ln>
+                <a:solidFill>
+                  <a:schemeClr val="tx1">
+                    <a:lumMod val="95000"/>
+                    <a:lumOff val="5000"/>
+                  </a:schemeClr>
+                </a:solidFill>
+              </a:ln>
+            </p:spPr>
+            <p:style>
+              <a:lnRef idx="2">
+                <a:schemeClr val="accent1">
+                  <a:shade val="50000"/>
+                </a:schemeClr>
+              </a:lnRef>
+              <a:fillRef idx="1">
+                <a:schemeClr val="accent1"/>
+              </a:fillRef>
+              <a:effectRef idx="0">
+                <a:schemeClr val="accent1"/>
+              </a:effectRef>
+              <a:fontRef idx="minor">
+                <a:schemeClr val="lt1"/>
+              </a:fontRef>
+            </p:style>
+            <p:txBody>
+              <a:bodyPr rtlCol="0" anchor="ctr"/>
+              <a:p>
+                <a:pPr algn="ctr"/>
+                <a:r>
+                  <a:rPr lang="en-US" altLang="en-US"/>
+                  <a:t>00</a:t>
+                </a:r>
+                <a:endParaRPr lang="en-US" altLang="en-US"/>
+              </a:p>
+            </p:txBody>
+          </p:sp>
+          <p:sp>
+            <p:nvSpPr>
+              <p:cNvPr id="22" name="Oval 21"/>
+              <p:cNvSpPr/>
+              <p:nvPr/>
+            </p:nvSpPr>
+            <p:spPr>
+              <a:xfrm>
+                <a:off x="6772" y="1589"/>
+                <a:ext cx="169" cy="182"/>
+              </a:xfrm>
+              <a:prstGeom prst="ellipse">
+                <a:avLst/>
+              </a:prstGeom>
+              <a:solidFill>
+                <a:schemeClr val="bg1"/>
+              </a:solidFill>
+              <a:ln>
+                <a:solidFill>
+                  <a:schemeClr val="tx1">
+                    <a:lumMod val="95000"/>
+                    <a:lumOff val="5000"/>
+                  </a:schemeClr>
+                </a:solidFill>
+              </a:ln>
+            </p:spPr>
+            <p:style>
+              <a:lnRef idx="2">
+                <a:schemeClr val="accent1">
+                  <a:shade val="50000"/>
+                </a:schemeClr>
+              </a:lnRef>
+              <a:fillRef idx="1">
+                <a:schemeClr val="accent1"/>
+              </a:fillRef>
+              <a:effectRef idx="0">
+                <a:schemeClr val="accent1"/>
+              </a:effectRef>
+              <a:fontRef idx="minor">
+                <a:schemeClr val="lt1"/>
+              </a:fontRef>
+            </p:style>
+            <p:txBody>
+              <a:bodyPr rtlCol="0" anchor="ctr"/>
+              <a:p>
+                <a:pPr algn="ctr"/>
+                <a:endParaRPr lang="en-US"/>
+              </a:p>
+            </p:txBody>
+          </p:sp>
+          <p:sp>
+            <p:nvSpPr>
+              <p:cNvPr id="24" name="Oval 23"/>
+              <p:cNvSpPr/>
+              <p:nvPr/>
+            </p:nvSpPr>
+            <p:spPr>
+              <a:xfrm>
+                <a:off x="7600" y="1931"/>
+                <a:ext cx="169" cy="182"/>
+              </a:xfrm>
+              <a:prstGeom prst="ellipse">
+                <a:avLst/>
+              </a:prstGeom>
+              <a:solidFill>
+                <a:schemeClr val="bg1"/>
+              </a:solidFill>
+              <a:ln>
+                <a:solidFill>
+                  <a:schemeClr val="tx1">
+                    <a:lumMod val="95000"/>
+                    <a:lumOff val="5000"/>
+                  </a:schemeClr>
+                </a:solidFill>
+              </a:ln>
+            </p:spPr>
+            <p:style>
+              <a:lnRef idx="2">
+                <a:schemeClr val="accent1">
+                  <a:shade val="50000"/>
+                </a:schemeClr>
+              </a:lnRef>
+              <a:fillRef idx="1">
+                <a:schemeClr val="accent1"/>
+              </a:fillRef>
+              <a:effectRef idx="0">
+                <a:schemeClr val="accent1"/>
+              </a:effectRef>
+              <a:fontRef idx="minor">
+                <a:schemeClr val="lt1"/>
+              </a:fontRef>
+            </p:style>
+            <p:txBody>
+              <a:bodyPr rtlCol="0" anchor="ctr"/>
+              <a:p>
+                <a:pPr algn="ctr"/>
+                <a:endParaRPr lang="en-US"/>
+              </a:p>
+            </p:txBody>
+          </p:sp>
+        </p:grpSp>
+        <mc:AlternateContent xmlns:mc="http://schemas.openxmlformats.org/markup-compatibility/2006">
+          <mc:Choice xmlns:a14="http://schemas.microsoft.com/office/drawing/2010/main" Requires="a14">
+            <p:sp>
+              <p:nvSpPr>
+                <p:cNvPr id="30" name="Text Box 29"/>
+                <p:cNvSpPr txBox="1"/>
+                <p:nvPr/>
+              </p:nvSpPr>
+              <p:spPr>
+                <a:xfrm>
+                  <a:off x="10207" y="4305"/>
+                  <a:ext cx="3688" cy="828"/>
+                </a:xfrm>
+                <a:prstGeom prst="rect">
+                  <a:avLst/>
+                </a:prstGeom>
+                <a:noFill/>
+              </p:spPr>
+              <p:txBody>
+                <a:bodyPr wrap="square" rtlCol="0">
+                  <a:spAutoFit/>
+                </a:bodyPr>
+                <a:p>
+                  <a:pPr algn="ctr"/>
+                  <a:r>
+                    <a:rPr lang="en-US" altLang="en-US" sz="1600" b="1">
+                      <a:latin typeface="Latin Modern Sans" panose="00000500000000000000" charset="0"/>
+                      <a:cs typeface="Latin Modern Sans" panose="00000500000000000000" charset="0"/>
+                    </a:rPr>
+                    <a:t>D(</a:t>
+                  </a:r>
+                  <a14:m>
+                    <m:oMath xmlns:m="http://schemas.openxmlformats.org/officeDocument/2006/math">
+                      <m:sSub>
+                        <m:sSubPr>
+                          <m:ctrlPr>
+                            <a:rPr lang="en-US" altLang="en-US" sz="1600" b="1" i="1">
+                              <a:latin typeface="DejaVu Math TeX Gyre" panose="02000503000000000000" charset="0"/>
+                              <a:cs typeface="DejaVu Math TeX Gyre" panose="02000503000000000000" charset="0"/>
+                            </a:rPr>
+                          </m:ctrlPr>
+                        </m:sSubPr>
+                        <m:e>
+                          <m:r>
+                            <a:rPr lang="en-US" altLang="en-US" sz="1600" b="1" i="1">
+                              <a:latin typeface="DejaVu Math TeX Gyre" panose="02000503000000000000" charset="0"/>
+                              <a:cs typeface="DejaVu Math TeX Gyre" panose="02000503000000000000" charset="0"/>
+                            </a:rPr>
+                            <m:t>𝒙</m:t>
+                          </m:r>
+                        </m:e>
+                        <m:sub>
+                          <m:r>
+                            <a:rPr lang="en-US" altLang="en-US" sz="1600" b="1" i="1">
+                              <a:latin typeface="DejaVu Math TeX Gyre" panose="02000503000000000000" charset="0"/>
+                              <a:cs typeface="DejaVu Math TeX Gyre" panose="02000503000000000000" charset="0"/>
+                            </a:rPr>
+                            <m:t>𝟎</m:t>
+                          </m:r>
+                        </m:sub>
+                      </m:sSub>
+                      <m:r>
+                        <a:rPr lang="en-US" altLang="en-US" sz="1600" b="1" i="1">
+                          <a:latin typeface="DejaVu Math TeX Gyre" panose="02000503000000000000" charset="0"/>
+                          <a:cs typeface="DejaVu Math TeX Gyre" panose="02000503000000000000" charset="0"/>
+                        </a:rPr>
+                        <m:t>...</m:t>
+                      </m:r>
+                      <m:sSub>
+                        <m:sSubPr>
+                          <m:ctrlPr>
+                            <a:rPr lang="en-US" altLang="en-US" sz="1600" b="1" i="1">
+                              <a:latin typeface="DejaVu Math TeX Gyre" panose="02000503000000000000" charset="0"/>
+                              <a:cs typeface="DejaVu Math TeX Gyre" panose="02000503000000000000" charset="0"/>
+                            </a:rPr>
+                          </m:ctrlPr>
+                        </m:sSubPr>
+                        <m:e>
+                          <m:r>
+                            <a:rPr lang="en-US" altLang="en-US" sz="1600" b="1" i="1">
+                              <a:latin typeface="DejaVu Math TeX Gyre" panose="02000503000000000000" charset="0"/>
+                              <a:cs typeface="DejaVu Math TeX Gyre" panose="02000503000000000000" charset="0"/>
+                            </a:rPr>
+                            <m:t>𝒙</m:t>
+                          </m:r>
+                        </m:e>
+                        <m:sub>
+                          <m:r>
+                            <a:rPr lang="en-US" altLang="en-US" sz="1600" b="1" i="1">
+                              <a:latin typeface="DejaVu Math TeX Gyre" panose="02000503000000000000" charset="0"/>
+                              <a:cs typeface="DejaVu Math TeX Gyre" panose="02000503000000000000" charset="0"/>
+                            </a:rPr>
+                            <m:t>𝒏</m:t>
+                          </m:r>
+                        </m:sub>
+                      </m:sSub>
+                    </m:oMath>
+                  </a14:m>
+                  <a:r>
+                    <a:rPr lang="en-US" altLang="en-US" sz="1600" b="1">
+                      <a:latin typeface="Latin Modern Sans" panose="00000500000000000000" charset="0"/>
+                      <a:cs typeface="Latin Modern Sans" panose="00000500000000000000" charset="0"/>
+                    </a:rPr>
+                    <a:t>)</a:t>
+                  </a:r>
+                  <a:endParaRPr lang="en-US" altLang="en-US" sz="1600" b="1">
+                    <a:latin typeface="Latin Modern Sans" panose="00000500000000000000" charset="0"/>
+                    <a:cs typeface="Latin Modern Sans" panose="00000500000000000000" charset="0"/>
+                  </a:endParaRPr>
+                </a:p>
+              </p:txBody>
+            </p:sp>
+          </mc:Choice>
+          <mc:Fallback>
+            <p:sp>
+              <p:nvSpPr>
+                <p:cNvPr id="30" name="Text Box 29"/>
+                <p:cNvSpPr txBox="1">
+                  <a:spLocks noRot="1" noChangeAspect="1" noMove="1" noResize="1" noEditPoints="1" noAdjustHandles="1" noChangeArrowheads="1" noChangeShapeType="1" noTextEdit="1"/>
+                </p:cNvSpPr>
+                <p:nvPr/>
+              </p:nvSpPr>
+              <p:spPr>
+                <a:xfrm>
+                  <a:off x="10207" y="4305"/>
+                  <a:ext cx="3688" cy="828"/>
+                </a:xfrm>
+                <a:prstGeom prst="rect">
+                  <a:avLst/>
+                </a:prstGeom>
+                <a:blipFill rotWithShape="1">
+                  <a:blip r:embed="rId2"/>
+                </a:blipFill>
+              </p:spPr>
+              <p:txBody>
+                <a:bodyPr/>
+                <a:lstStyle/>
+                <a:p>
+                  <a:r>
+                    <a:rPr lang="en-US" altLang="en-US">
+                      <a:noFill/>
+                    </a:rPr>
+                    <a:t> </a:t>
+                  </a:r>
+                </a:p>
+              </p:txBody>
+            </p:sp>
+          </mc:Fallback>
+        </mc:AlternateContent>
+        <p:cxnSp>
+          <p:nvCxnSpPr>
+            <p:cNvPr id="12" name="Straight Arrow Connector 11"/>
+            <p:cNvCxnSpPr/>
+            <p:nvPr/>
+          </p:nvCxnSpPr>
+          <p:spPr>
+            <a:xfrm>
+              <a:off x="1940" y="2808"/>
+              <a:ext cx="560" cy="0"/>
+            </a:xfrm>
+            <a:prstGeom prst="straightConnector1">
+              <a:avLst/>
+            </a:prstGeom>
+            <a:ln w="19050">
+              <a:solidFill>
+                <a:schemeClr val="tx1"/>
+              </a:solidFill>
+              <a:tailEnd type="arrow"/>
+            </a:ln>
+          </p:spPr>
+          <p:style>
+            <a:lnRef idx="1">
+              <a:schemeClr val="accent1"/>
+            </a:lnRef>
+            <a:fillRef idx="0">
+              <a:schemeClr val="accent1"/>
+            </a:fillRef>
+            <a:effectRef idx="0">
+              <a:schemeClr val="accent1"/>
+            </a:effectRef>
+            <a:fontRef idx="minor">
+              <a:schemeClr val="tx1"/>
+            </a:fontRef>
+          </p:style>
+        </p:cxnSp>
+        <p:cxnSp>
+          <p:nvCxnSpPr>
+            <p:cNvPr id="13" name="Straight Arrow Connector 12"/>
+            <p:cNvCxnSpPr/>
+            <p:nvPr/>
+          </p:nvCxnSpPr>
+          <p:spPr>
+            <a:xfrm>
+              <a:off x="5614" y="2862"/>
+              <a:ext cx="560" cy="0"/>
+            </a:xfrm>
+            <a:prstGeom prst="straightConnector1">
+              <a:avLst/>
+            </a:prstGeom>
+            <a:ln w="19050">
+              <a:solidFill>
+                <a:schemeClr val="tx1"/>
+              </a:solidFill>
+              <a:tailEnd type="arrow"/>
+            </a:ln>
+          </p:spPr>
+          <p:style>
+            <a:lnRef idx="1">
+              <a:schemeClr val="accent1"/>
+            </a:lnRef>
+            <a:fillRef idx="0">
+              <a:schemeClr val="accent1"/>
+            </a:fillRef>
+            <a:effectRef idx="0">
+              <a:schemeClr val="accent1"/>
+            </a:effectRef>
+            <a:fontRef idx="minor">
+              <a:schemeClr val="tx1"/>
+            </a:fontRef>
+          </p:style>
+        </p:cxnSp>
+        <p:cxnSp>
+          <p:nvCxnSpPr>
+            <p:cNvPr id="14" name="Straight Arrow Connector 13"/>
+            <p:cNvCxnSpPr/>
+            <p:nvPr/>
+          </p:nvCxnSpPr>
+          <p:spPr>
+            <a:xfrm>
+              <a:off x="14052" y="4671"/>
+              <a:ext cx="560" cy="0"/>
+            </a:xfrm>
+            <a:prstGeom prst="straightConnector1">
+              <a:avLst/>
+            </a:prstGeom>
+            <a:ln w="19050">
+              <a:solidFill>
+                <a:schemeClr val="tx1"/>
+              </a:solidFill>
+              <a:tailEnd type="arrow"/>
+            </a:ln>
+          </p:spPr>
+          <p:style>
+            <a:lnRef idx="1">
+              <a:schemeClr val="accent1"/>
+            </a:lnRef>
+            <a:fillRef idx="0">
+              <a:schemeClr val="accent1"/>
+            </a:fillRef>
+            <a:effectRef idx="0">
+              <a:schemeClr val="accent1"/>
+            </a:effectRef>
+            <a:fontRef idx="minor">
+              <a:schemeClr val="tx1"/>
+            </a:fontRef>
+          </p:style>
+        </p:cxnSp>
+        <p:sp>
+          <p:nvSpPr>
+            <p:cNvPr id="34" name="Text Box 33"/>
+            <p:cNvSpPr txBox="1"/>
+            <p:nvPr/>
+          </p:nvSpPr>
+          <p:spPr>
+            <a:xfrm>
+              <a:off x="5081" y="830"/>
+              <a:ext cx="5334" cy="675"/>
+            </a:xfrm>
+            <a:prstGeom prst="rect">
+              <a:avLst/>
+            </a:prstGeom>
+            <a:noFill/>
+          </p:spPr>
+          <p:txBody>
+            <a:bodyPr wrap="square" rtlCol="0">
+              <a:spAutoFit/>
+            </a:bodyPr>
+            <a:p>
+              <a:pPr algn="ctr"/>
+              <a:r>
+                <a:rPr lang="en-US" altLang="en-US" sz="1200" b="1">
+                  <a:latin typeface="Latin Modern Sans" panose="00000500000000000000" charset="0"/>
+                  <a:cs typeface="Latin Modern Sans" panose="00000500000000000000" charset="0"/>
+                </a:rPr>
+                <a:t>Simulated tracks</a:t>
+              </a:r>
+              <a:endParaRPr lang="en-US" altLang="en-US" sz="1200" b="1">
+                <a:latin typeface="Latin Modern Sans" panose="00000500000000000000" charset="0"/>
+                <a:cs typeface="Latin Modern Sans" panose="00000500000000000000" charset="0"/>
+              </a:endParaRPr>
+            </a:p>
+          </p:txBody>
+        </p:sp>
+        <p:cxnSp>
+          <p:nvCxnSpPr>
+            <p:cNvPr id="36" name="Elbow Connector 35"/>
+            <p:cNvCxnSpPr/>
+            <p:nvPr/>
+          </p:nvCxnSpPr>
+          <p:spPr>
+            <a:xfrm>
+              <a:off x="9167" y="2726"/>
+              <a:ext cx="743" cy="1735"/>
+            </a:xfrm>
+            <a:prstGeom prst="bentConnector3">
+              <a:avLst>
+                <a:gd name="adj1" fmla="val 50067"/>
+              </a:avLst>
+            </a:prstGeom>
+            <a:ln w="19050">
+              <a:solidFill>
+                <a:schemeClr val="tx1"/>
+              </a:solidFill>
+              <a:tailEnd type="arrow"/>
+            </a:ln>
+          </p:spPr>
+          <p:style>
+            <a:lnRef idx="1">
+              <a:schemeClr val="accent1"/>
+            </a:lnRef>
+            <a:fillRef idx="0">
+              <a:schemeClr val="accent1"/>
+            </a:fillRef>
+            <a:effectRef idx="0">
+              <a:schemeClr val="accent1"/>
+            </a:effectRef>
+            <a:fontRef idx="minor">
+              <a:schemeClr val="tx1"/>
+            </a:fontRef>
+          </p:style>
+        </p:cxnSp>
+        <p:cxnSp>
+          <p:nvCxnSpPr>
+            <p:cNvPr id="37" name="Elbow Connector 36"/>
+            <p:cNvCxnSpPr/>
+            <p:nvPr/>
+          </p:nvCxnSpPr>
+          <p:spPr>
+            <a:xfrm flipV="1">
+              <a:off x="9148" y="4948"/>
+              <a:ext cx="762" cy="1700"/>
+            </a:xfrm>
+            <a:prstGeom prst="bentConnector3">
+              <a:avLst>
+                <a:gd name="adj1" fmla="val 50000"/>
+              </a:avLst>
+            </a:prstGeom>
+            <a:ln w="19050">
+              <a:solidFill>
+                <a:schemeClr val="tx1"/>
+              </a:solidFill>
+              <a:tailEnd type="arrow"/>
+            </a:ln>
+          </p:spPr>
+          <p:style>
+            <a:lnRef idx="1">
+              <a:schemeClr val="accent1"/>
+            </a:lnRef>
+            <a:fillRef idx="0">
+              <a:schemeClr val="accent1"/>
+            </a:fillRef>
+            <a:effectRef idx="0">
+              <a:schemeClr val="accent1"/>
+            </a:effectRef>
+            <a:fontRef idx="minor">
+              <a:schemeClr val="tx1"/>
+            </a:fontRef>
+          </p:style>
+        </p:cxnSp>
+        <p:pic>
+          <p:nvPicPr>
+            <p:cNvPr id="38" name="Picture 37"/>
+            <p:cNvPicPr>
+              <a:picLocks noChangeAspect="1"/>
+            </p:cNvPicPr>
+            <p:nvPr/>
+          </p:nvPicPr>
+          <p:blipFill>
+            <a:blip r:embed="rId3"/>
+            <a:srcRect l="17886" t="10238" r="12907" b="12803"/>
+            <a:stretch>
+              <a:fillRect/>
+            </a:stretch>
+          </p:blipFill>
+          <p:spPr>
+            <a:xfrm>
+              <a:off x="6448" y="5920"/>
+              <a:ext cx="2417" cy="2386"/>
+            </a:xfrm>
+            <a:prstGeom prst="rect">
+              <a:avLst/>
+            </a:prstGeom>
+            <a:ln>
+              <a:solidFill>
+                <a:schemeClr val="tx1"/>
+              </a:solidFill>
+            </a:ln>
+          </p:spPr>
+        </p:pic>
+        <p:sp>
+          <p:nvSpPr>
+            <p:cNvPr id="39" name="Text Box 38"/>
+            <p:cNvSpPr txBox="1"/>
+            <p:nvPr/>
+          </p:nvSpPr>
+          <p:spPr>
+            <a:xfrm>
+              <a:off x="5853" y="4575"/>
+              <a:ext cx="3490" cy="675"/>
+            </a:xfrm>
+            <a:prstGeom prst="rect">
+              <a:avLst/>
+            </a:prstGeom>
+            <a:noFill/>
+          </p:spPr>
+          <p:txBody>
+            <a:bodyPr wrap="square" rtlCol="0">
+              <a:spAutoFit/>
+            </a:bodyPr>
+            <a:p>
+              <a:pPr algn="ctr"/>
+              <a:r>
+                <a:rPr lang="en-US" altLang="en-US" sz="1200" b="1">
+                  <a:latin typeface="Latin Modern Sans" panose="00000500000000000000" charset="0"/>
+                  <a:cs typeface="Latin Modern Sans" panose="00000500000000000000" charset="0"/>
+                </a:rPr>
+                <a:t>Real tracks</a:t>
+              </a:r>
+              <a:endParaRPr lang="en-US" altLang="en-US" sz="1200" b="1">
+                <a:latin typeface="Latin Modern Sans" panose="00000500000000000000" charset="0"/>
+                <a:cs typeface="Latin Modern Sans" panose="00000500000000000000" charset="0"/>
+              </a:endParaRPr>
+            </a:p>
+          </p:txBody>
+        </p:sp>
+        <p:sp>
+          <p:nvSpPr>
+            <p:cNvPr id="43" name="Rounded Rectangle 42"/>
+            <p:cNvSpPr/>
+            <p:nvPr/>
+          </p:nvSpPr>
+          <p:spPr>
+            <a:xfrm>
+              <a:off x="2793" y="2119"/>
+              <a:ext cx="2467" cy="1447"/>
+            </a:xfrm>
+            <a:prstGeom prst="roundRect">
+              <a:avLst/>
+            </a:prstGeom>
+            <a:solidFill>
+              <a:schemeClr val="accent1">
+                <a:alpha val="28000"/>
+              </a:schemeClr>
+            </a:solidFill>
+            <a:ln w="25400">
+              <a:solidFill>
+                <a:schemeClr val="accent1"/>
+              </a:solidFill>
+            </a:ln>
+          </p:spPr>
+          <p:style>
+            <a:lnRef idx="2">
+              <a:schemeClr val="accent1">
+                <a:shade val="50000"/>
+              </a:schemeClr>
+            </a:lnRef>
+            <a:fillRef idx="1">
+              <a:schemeClr val="accent1"/>
+            </a:fillRef>
+            <a:effectRef idx="0">
+              <a:schemeClr val="accent1"/>
+            </a:effectRef>
+            <a:fontRef idx="minor">
+              <a:schemeClr val="lt1"/>
+            </a:fontRef>
+          </p:style>
+          <p:txBody>
+            <a:bodyPr rtlCol="0" anchor="ctr"/>
+            <a:p>
+              <a:pPr algn="ctr"/>
+              <a:endParaRPr lang="en-US"/>
+            </a:p>
+          </p:txBody>
+        </p:sp>
+        <mc:AlternateContent xmlns:mc="http://schemas.openxmlformats.org/markup-compatibility/2006">
+          <mc:Choice xmlns:a14="http://schemas.microsoft.com/office/drawing/2010/main" Requires="a14">
+            <p:sp>
+              <p:nvSpPr>
+                <p:cNvPr id="44" name="Text Box 43"/>
+                <p:cNvSpPr txBox="1"/>
+                <p:nvPr/>
+              </p:nvSpPr>
+              <p:spPr>
+                <a:xfrm>
+                  <a:off x="3039" y="2429"/>
+                  <a:ext cx="2008" cy="826"/>
+                </a:xfrm>
+                <a:prstGeom prst="rect">
+                  <a:avLst/>
+                </a:prstGeom>
+                <a:noFill/>
+              </p:spPr>
+              <p:txBody>
+                <a:bodyPr wrap="square" rtlCol="0">
+                  <a:spAutoFit/>
+                </a:bodyPr>
+                <a:p>
+                  <a:pPr algn="ctr"/>
+                  <a:r>
+                    <a:rPr lang="en-US" altLang="en-US" sz="1600" b="1">
+                      <a:latin typeface="Latin Modern Sans" panose="00000500000000000000" charset="0"/>
+                      <a:cs typeface="Latin Modern Sans" panose="00000500000000000000" charset="0"/>
+                    </a:rPr>
+                    <a:t>G(</a:t>
+                  </a:r>
+                  <a14:m>
+                    <m:oMath xmlns:m="http://schemas.openxmlformats.org/officeDocument/2006/math">
+                      <m:r>
+                        <a:rPr lang="en-US" altLang="en-US" sz="1600" b="1" i="1">
+                          <a:latin typeface="DejaVu Math TeX Gyre" panose="02000503000000000000" charset="0"/>
+                          <a:cs typeface="DejaVu Math TeX Gyre" panose="02000503000000000000" charset="0"/>
+                        </a:rPr>
+                        <m:t>𝒛</m:t>
+                      </m:r>
+                    </m:oMath>
+                  </a14:m>
+                  <a:r>
+                    <a:rPr lang="en-US" altLang="en-US" sz="1600" b="1">
+                      <a:latin typeface="Latin Modern Sans" panose="00000500000000000000" charset="0"/>
+                      <a:cs typeface="Latin Modern Sans" panose="00000500000000000000" charset="0"/>
+                    </a:rPr>
+                    <a:t>)</a:t>
+                  </a:r>
+                  <a:endParaRPr lang="en-US" altLang="en-US" sz="1600" b="1">
+                    <a:latin typeface="Latin Modern Sans" panose="00000500000000000000" charset="0"/>
+                    <a:cs typeface="Latin Modern Sans" panose="00000500000000000000" charset="0"/>
+                  </a:endParaRPr>
+                </a:p>
+              </p:txBody>
+            </p:sp>
+          </mc:Choice>
+          <mc:Fallback>
+            <p:sp>
+              <p:nvSpPr>
+                <p:cNvPr id="44" name="Text Box 43"/>
+                <p:cNvSpPr txBox="1">
+                  <a:spLocks noRot="1" noChangeAspect="1" noMove="1" noResize="1" noEditPoints="1" noAdjustHandles="1" noChangeArrowheads="1" noChangeShapeType="1" noTextEdit="1"/>
+                </p:cNvSpPr>
+                <p:nvPr/>
+              </p:nvSpPr>
+              <p:spPr>
+                <a:xfrm>
+                  <a:off x="3039" y="2429"/>
+                  <a:ext cx="2008" cy="826"/>
+                </a:xfrm>
+                <a:prstGeom prst="rect">
+                  <a:avLst/>
+                </a:prstGeom>
+                <a:blipFill rotWithShape="1">
+                  <a:blip r:embed="rId4"/>
+                </a:blipFill>
+              </p:spPr>
+              <p:txBody>
+                <a:bodyPr/>
+                <a:lstStyle/>
+                <a:p>
+                  <a:r>
+                    <a:rPr lang="en-US" altLang="en-US">
+                      <a:noFill/>
+                    </a:rPr>
+                    <a:t> </a:t>
+                  </a:r>
+                </a:p>
+              </p:txBody>
+            </p:sp>
+          </mc:Fallback>
+        </mc:AlternateContent>
+        <p:sp>
+          <p:nvSpPr>
+            <p:cNvPr id="68" name="Text Box 67"/>
+            <p:cNvSpPr txBox="1"/>
+            <p:nvPr/>
+          </p:nvSpPr>
+          <p:spPr>
+            <a:xfrm>
+              <a:off x="13926" y="4194"/>
+              <a:ext cx="4813" cy="826"/>
+            </a:xfrm>
+            <a:prstGeom prst="rect">
+              <a:avLst/>
+            </a:prstGeom>
+            <a:noFill/>
+          </p:spPr>
+          <p:txBody>
+            <a:bodyPr wrap="square" rtlCol="0">
+              <a:spAutoFit/>
+            </a:bodyPr>
+            <a:p>
+              <a:pPr algn="ctr"/>
+              <a:r>
+                <a:rPr lang="en-US" altLang="en-US" sz="1600" b="1">
+                  <a:latin typeface="Latin Modern Sans" panose="00000500000000000000" charset="0"/>
+                  <a:cs typeface="Latin Modern Sans" panose="00000500000000000000" charset="0"/>
+                </a:rPr>
+                <a:t>True / False</a:t>
+              </a:r>
+              <a:endParaRPr lang="en-US" altLang="en-US" sz="1600" b="1">
+                <a:latin typeface="Latin Modern Sans" panose="00000500000000000000" charset="0"/>
+                <a:cs typeface="Latin Modern Sans" panose="00000500000000000000" charset="0"/>
+              </a:endParaRPr>
+            </a:p>
+          </p:txBody>
+        </p:sp>
+        <mc:AlternateContent xmlns:mc="http://schemas.openxmlformats.org/markup-compatibility/2006">
+          <mc:Choice xmlns:a14="http://schemas.microsoft.com/office/drawing/2010/main" Requires="a14">
+            <p:sp>
+              <p:nvSpPr>
+                <p:cNvPr id="69" name="Text Box 68"/>
+                <p:cNvSpPr txBox="1"/>
+                <p:nvPr/>
+              </p:nvSpPr>
+              <p:spPr>
+                <a:xfrm>
+                  <a:off x="5826" y="4966"/>
+                  <a:ext cx="3544" cy="831"/>
+                </a:xfrm>
+                <a:prstGeom prst="rect">
+                  <a:avLst/>
+                </a:prstGeom>
+                <a:noFill/>
+              </p:spPr>
+              <p:txBody>
+                <a:bodyPr wrap="square" rtlCol="0">
+                  <a:spAutoFit/>
+                </a:bodyPr>
+                <a:p>
+                  <a:pPr algn="ctr"/>
+                  <a:r>
+                    <a:rPr lang="en-US" altLang="en-US" sz="1200" b="1">
+                      <a:latin typeface="Latin Modern Sans" panose="00000500000000000000" charset="0"/>
+                      <a:cs typeface="Latin Modern Sans" panose="00000500000000000000" charset="0"/>
+                      <a:sym typeface="+mn-ea"/>
+                    </a:rPr>
+                    <a:t>[</a:t>
+                  </a:r>
+                  <a14:m>
+                    <m:oMath xmlns:m="http://schemas.openxmlformats.org/officeDocument/2006/math">
+                      <m:sSubSup>
+                        <m:sSubSupPr>
+                          <m:ctrlPr>
+                            <a:rPr lang="en-US" altLang="en-US" sz="1200" b="1" i="1">
+                              <a:latin typeface="DejaVu Math TeX Gyre" panose="02000503000000000000" charset="0"/>
+                              <a:cs typeface="DejaVu Math TeX Gyre" panose="02000503000000000000" charset="0"/>
+                              <a:sym typeface="+mn-ea"/>
+                            </a:rPr>
+                          </m:ctrlPr>
+                        </m:sSubSupPr>
+                        <m:e>
+                          <m:r>
+                            <a:rPr lang="en-US" altLang="en-US" sz="1200" b="1" i="1">
+                              <a:latin typeface="DejaVu Math TeX Gyre" panose="02000503000000000000" charset="0"/>
+                              <a:cs typeface="DejaVu Math TeX Gyre" panose="02000503000000000000" charset="0"/>
+                              <a:sym typeface="+mn-ea"/>
+                            </a:rPr>
+                            <m:t>𝒙</m:t>
+                          </m:r>
+                        </m:e>
+                        <m:sub>
+                          <m:r>
+                            <a:rPr lang="en-US" altLang="en-US" sz="1200" b="1" i="1">
+                              <a:latin typeface="DejaVu Math TeX Gyre" panose="02000503000000000000" charset="0"/>
+                              <a:cs typeface="DejaVu Math TeX Gyre" panose="02000503000000000000" charset="0"/>
+                              <a:sym typeface="+mn-ea"/>
+                            </a:rPr>
+                            <m:t>𝟎</m:t>
+                          </m:r>
+                        </m:sub>
+                        <m:sup>
+                          <m:r>
+                            <a:rPr lang="en-US" altLang="en-US" sz="1200" b="1" i="1">
+                              <a:latin typeface="DejaVu Math TeX Gyre" panose="02000503000000000000" charset="0"/>
+                              <a:cs typeface="DejaVu Math TeX Gyre" panose="02000503000000000000" charset="0"/>
+                              <a:sym typeface="+mn-ea"/>
+                            </a:rPr>
+                            <m:t>𝒊</m:t>
+                          </m:r>
+                        </m:sup>
+                      </m:sSubSup>
+                    </m:oMath>
+                  </a14:m>
+                  <a:r>
+                    <a:rPr lang="en-US" altLang="en-US" sz="1200" b="1">
+                      <a:latin typeface="Latin Modern Sans" panose="00000500000000000000" charset="0"/>
+                      <a:cs typeface="Latin Modern Sans" panose="00000500000000000000" charset="0"/>
+                      <a:sym typeface="+mn-ea"/>
+                    </a:rPr>
+                    <a:t>, ... , </a:t>
+                  </a:r>
+                  <a14:m>
+                    <m:oMath xmlns:m="http://schemas.openxmlformats.org/officeDocument/2006/math">
+                      <m:sSubSup>
+                        <m:sSubSupPr>
+                          <m:ctrlPr>
+                            <a:rPr lang="en-US" altLang="en-US" sz="1200" b="1" i="1">
+                              <a:latin typeface="DejaVu Math TeX Gyre" panose="02000503000000000000" charset="0"/>
+                              <a:cs typeface="DejaVu Math TeX Gyre" panose="02000503000000000000" charset="0"/>
+                              <a:sym typeface="+mn-ea"/>
+                            </a:rPr>
+                          </m:ctrlPr>
+                        </m:sSubSupPr>
+                        <m:e>
+                          <m:r>
+                            <a:rPr lang="en-US" altLang="en-US" sz="1200" b="1" i="1">
+                              <a:latin typeface="DejaVu Math TeX Gyre" panose="02000503000000000000" charset="0"/>
+                              <a:cs typeface="DejaVu Math TeX Gyre" panose="02000503000000000000" charset="0"/>
+                              <a:sym typeface="+mn-ea"/>
+                            </a:rPr>
+                            <m:t>𝒙</m:t>
+                          </m:r>
+                        </m:e>
+                        <m:sub>
+                          <m:r>
+                            <a:rPr lang="en-US" altLang="en-US" sz="1200" b="1" i="1">
+                              <a:latin typeface="DejaVu Math TeX Gyre" panose="02000503000000000000" charset="0"/>
+                              <a:cs typeface="DejaVu Math TeX Gyre" panose="02000503000000000000" charset="0"/>
+                              <a:sym typeface="+mn-ea"/>
+                            </a:rPr>
+                            <m:t>𝒏</m:t>
+                          </m:r>
+                        </m:sub>
+                        <m:sup>
+                          <m:r>
+                            <a:rPr lang="en-US" altLang="en-US" sz="1200" b="1" i="1">
+                              <a:latin typeface="DejaVu Math TeX Gyre" panose="02000503000000000000" charset="0"/>
+                              <a:cs typeface="DejaVu Math TeX Gyre" panose="02000503000000000000" charset="0"/>
+                              <a:sym typeface="+mn-ea"/>
+                            </a:rPr>
+                            <m:t>𝒊</m:t>
+                          </m:r>
+                        </m:sup>
+                      </m:sSubSup>
+                    </m:oMath>
+                  </a14:m>
+                  <a:r>
+                    <a:rPr lang="en-US" altLang="en-US" sz="1200" b="1">
+                      <a:latin typeface="Latin Modern Sans" panose="00000500000000000000" charset="0"/>
+                      <a:cs typeface="Latin Modern Sans" panose="00000500000000000000" charset="0"/>
+                      <a:sym typeface="+mn-ea"/>
+                    </a:rPr>
+                    <a:t>]</a:t>
+                  </a:r>
+                  <a:endParaRPr lang="en-US" altLang="en-US" sz="1200" b="1">
+                    <a:latin typeface="Latin Modern Sans" panose="00000500000000000000" charset="0"/>
+                    <a:cs typeface="Latin Modern Sans" panose="00000500000000000000" charset="0"/>
+                    <a:sym typeface="+mn-ea"/>
+                  </a:endParaRPr>
+                </a:p>
+              </p:txBody>
+            </p:sp>
+          </mc:Choice>
+          <mc:Fallback>
+            <p:sp>
+              <p:nvSpPr>
+                <p:cNvPr id="69" name="Text Box 68"/>
+                <p:cNvSpPr txBox="1">
+                  <a:spLocks noRot="1" noChangeAspect="1" noMove="1" noResize="1" noEditPoints="1" noAdjustHandles="1" noChangeArrowheads="1" noChangeShapeType="1" noTextEdit="1"/>
+                </p:cNvSpPr>
+                <p:nvPr/>
+              </p:nvSpPr>
+              <p:spPr>
+                <a:xfrm>
+                  <a:off x="5826" y="4966"/>
+                  <a:ext cx="3544" cy="831"/>
+                </a:xfrm>
+                <a:prstGeom prst="rect">
+                  <a:avLst/>
+                </a:prstGeom>
+                <a:blipFill rotWithShape="1">
+                  <a:blip r:embed="rId5"/>
+                </a:blipFill>
+              </p:spPr>
+              <p:txBody>
+                <a:bodyPr/>
+                <a:lstStyle/>
+                <a:p>
+                  <a:r>
+                    <a:rPr lang="en-US" altLang="en-US">
+                      <a:noFill/>
+                    </a:rPr>
+                    <a:t> </a:t>
+                  </a:r>
+                </a:p>
+              </p:txBody>
+            </p:sp>
+          </mc:Fallback>
+        </mc:AlternateContent>
+        <mc:AlternateContent xmlns:mc="http://schemas.openxmlformats.org/markup-compatibility/2006">
+          <mc:Choice xmlns:a14="http://schemas.microsoft.com/office/drawing/2010/main" Requires="a14">
+            <p:sp>
+              <p:nvSpPr>
+                <p:cNvPr id="70" name="Text Box 69"/>
+                <p:cNvSpPr txBox="1"/>
+                <p:nvPr/>
+              </p:nvSpPr>
+              <p:spPr>
+                <a:xfrm>
+                  <a:off x="5664" y="1353"/>
+                  <a:ext cx="4123" cy="675"/>
+                </a:xfrm>
+                <a:prstGeom prst="rect">
+                  <a:avLst/>
+                </a:prstGeom>
+                <a:noFill/>
+              </p:spPr>
+              <p:txBody>
+                <a:bodyPr wrap="square" rtlCol="0">
+                  <a:spAutoFit/>
+                </a:bodyPr>
+                <a:p>
+                  <a:pPr algn="ctr"/>
+                  <a:r>
+                    <a:rPr lang="en-US" altLang="en-US" sz="1200" b="1">
+                      <a:latin typeface="Latin Modern Sans" panose="00000500000000000000" charset="0"/>
+                      <a:cs typeface="Latin Modern Sans" panose="00000500000000000000" charset="0"/>
+                      <a:sym typeface="+mn-ea"/>
+                    </a:rPr>
+                    <a:t>[</a:t>
+                  </a:r>
+                  <a14:m>
+                    <m:oMath xmlns:m="http://schemas.openxmlformats.org/officeDocument/2006/math">
+                      <m:sSub>
+                        <m:sSubPr>
+                          <m:ctrlPr>
+                            <a:rPr lang="en-US" altLang="en-US" sz="1200" b="1" i="1">
+                              <a:latin typeface="DejaVu Math TeX Gyre" panose="02000503000000000000" charset="0"/>
+                              <a:cs typeface="DejaVu Math TeX Gyre" panose="02000503000000000000" charset="0"/>
+                            </a:rPr>
+                          </m:ctrlPr>
+                        </m:sSubPr>
+                        <m:e>
+                          <m:r>
+                            <a:rPr lang="en-US" altLang="en-US" sz="1200" b="1" i="1">
+                              <a:latin typeface="DejaVu Math TeX Gyre" panose="02000503000000000000" charset="0"/>
+                              <a:cs typeface="DejaVu Math TeX Gyre" panose="02000503000000000000" charset="0"/>
+                            </a:rPr>
+                            <m:t>𝒙</m:t>
+                          </m:r>
+                        </m:e>
+                        <m:sub>
+                          <m:r>
+                            <a:rPr lang="en-US" altLang="en-US" sz="1200" b="1" i="1">
+                              <a:latin typeface="DejaVu Math TeX Gyre" panose="02000503000000000000" charset="0"/>
+                              <a:cs typeface="DejaVu Math TeX Gyre" panose="02000503000000000000" charset="0"/>
+                            </a:rPr>
+                            <m:t>𝟎</m:t>
+                          </m:r>
+                        </m:sub>
+                      </m:sSub>
+                    </m:oMath>
+                  </a14:m>
+                  <a:r>
+                    <a:rPr lang="en-US" altLang="en-US" sz="1200" b="1">
+                      <a:latin typeface="Latin Modern Sans" panose="00000500000000000000" charset="0"/>
+                      <a:cs typeface="Latin Modern Sans" panose="00000500000000000000" charset="0"/>
+                      <a:sym typeface="+mn-ea"/>
+                    </a:rPr>
+                    <a:t>, ... , </a:t>
+                  </a:r>
+                  <a14:m>
+                    <m:oMath xmlns:m="http://schemas.openxmlformats.org/officeDocument/2006/math">
+                      <m:sSub>
+                        <m:sSubPr>
+                          <m:ctrlPr>
+                            <a:rPr lang="en-US" altLang="en-US" sz="1200" b="1" i="1">
+                              <a:latin typeface="DejaVu Math TeX Gyre" panose="02000503000000000000" charset="0"/>
+                              <a:cs typeface="DejaVu Math TeX Gyre" panose="02000503000000000000" charset="0"/>
+                            </a:rPr>
+                          </m:ctrlPr>
+                        </m:sSubPr>
+                        <m:e>
+                          <m:r>
+                            <a:rPr lang="en-US" altLang="en-US" sz="1200" b="1" i="1">
+                              <a:latin typeface="DejaVu Math TeX Gyre" panose="02000503000000000000" charset="0"/>
+                              <a:cs typeface="DejaVu Math TeX Gyre" panose="02000503000000000000" charset="0"/>
+                            </a:rPr>
+                            <m:t>𝒙</m:t>
+                          </m:r>
+                        </m:e>
+                        <m:sub>
+                          <m:r>
+                            <a:rPr lang="en-US" altLang="en-US" sz="1200" b="1" i="1">
+                              <a:latin typeface="DejaVu Math TeX Gyre" panose="02000503000000000000" charset="0"/>
+                              <a:cs typeface="DejaVu Math TeX Gyre" panose="02000503000000000000" charset="0"/>
+                            </a:rPr>
+                            <m:t>𝒏</m:t>
+                          </m:r>
+                        </m:sub>
+                      </m:sSub>
+                    </m:oMath>
+                  </a14:m>
+                  <a:r>
+                    <a:rPr lang="en-US" altLang="en-US" sz="1200" b="1">
+                      <a:latin typeface="Latin Modern Sans" panose="00000500000000000000" charset="0"/>
+                      <a:cs typeface="Latin Modern Sans" panose="00000500000000000000" charset="0"/>
+                      <a:sym typeface="+mn-ea"/>
+                    </a:rPr>
+                    <a:t>]</a:t>
+                  </a:r>
+                  <a:endParaRPr lang="en-US" altLang="en-US" sz="1200" b="1">
+                    <a:latin typeface="Latin Modern Sans" panose="00000500000000000000" charset="0"/>
+                    <a:cs typeface="Latin Modern Sans" panose="00000500000000000000" charset="0"/>
+                    <a:sym typeface="+mn-ea"/>
+                  </a:endParaRPr>
+                </a:p>
+              </p:txBody>
+            </p:sp>
+          </mc:Choice>
+          <mc:Fallback>
+            <p:sp>
+              <p:nvSpPr>
+                <p:cNvPr id="70" name="Text Box 69"/>
+                <p:cNvSpPr txBox="1">
+                  <a:spLocks noRot="1" noChangeAspect="1" noMove="1" noResize="1" noEditPoints="1" noAdjustHandles="1" noChangeArrowheads="1" noChangeShapeType="1" noTextEdit="1"/>
+                </p:cNvSpPr>
+                <p:nvPr/>
+              </p:nvSpPr>
+              <p:spPr>
+                <a:xfrm>
+                  <a:off x="5664" y="1353"/>
+                  <a:ext cx="4123" cy="675"/>
+                </a:xfrm>
+                <a:prstGeom prst="rect">
+                  <a:avLst/>
+                </a:prstGeom>
+                <a:blipFill rotWithShape="1">
+                  <a:blip r:embed="rId6"/>
+                </a:blipFill>
+              </p:spPr>
+              <p:txBody>
+                <a:bodyPr/>
+                <a:lstStyle/>
+                <a:p>
+                  <a:r>
+                    <a:rPr lang="en-US" altLang="en-US">
+                      <a:noFill/>
+                    </a:rPr>
+                    <a:t> </a:t>
+                  </a:r>
+                </a:p>
+              </p:txBody>
+            </p:sp>
+          </mc:Fallback>
+        </mc:AlternateContent>
+      </p:grpSp>
+      <mc:AlternateContent xmlns:mc="http://schemas.openxmlformats.org/markup-compatibility/2006">
+        <mc:Choice xmlns:a14="http://schemas.microsoft.com/office/drawing/2010/main" Requires="a14">
+          <p:sp>
+            <p:nvSpPr>
+              <p:cNvPr id="48" name="Text Box 47"/>
+              <p:cNvSpPr txBox="1"/>
+              <p:nvPr/>
+            </p:nvSpPr>
+            <p:spPr>
+              <a:xfrm>
+                <a:off x="9144000" y="2016125"/>
+                <a:ext cx="664210" cy="277495"/>
+              </a:xfrm>
+              <a:prstGeom prst="rect">
+                <a:avLst/>
+              </a:prstGeom>
+              <a:noFill/>
+            </p:spPr>
+            <p:txBody>
+              <a:bodyPr wrap="square" rtlCol="0">
+                <a:spAutoFit/>
+              </a:bodyPr>
+              <a:p>
+                <a:pPr algn="ctr"/>
+                <a14:m>
+                  <m:oMathPara xmlns:m="http://schemas.openxmlformats.org/officeDocument/2006/math">
+                    <m:oMathParaPr>
+                      <m:jc m:val="centerGroup"/>
+                    </m:oMathParaPr>
+                    <m:oMath xmlns:m="http://schemas.openxmlformats.org/officeDocument/2006/math">
+                      <m:sSub>
+                        <m:sSubPr>
+                          <m:ctrlPr>
+                            <a:rPr lang="en-US" altLang="en-US" sz="1200" b="1" i="1">
+                              <a:latin typeface="DejaVu Math TeX Gyre" panose="02000503000000000000" charset="0"/>
+                              <a:cs typeface="DejaVu Math TeX Gyre" panose="02000503000000000000" charset="0"/>
+                            </a:rPr>
+                          </m:ctrlPr>
+                        </m:sSubPr>
+                        <m:e>
+                          <m:r>
+                            <a:rPr lang="en-US" altLang="en-US" sz="1200" b="1" i="1">
+                              <a:latin typeface="DejaVu Math TeX Gyre" panose="02000503000000000000" charset="0"/>
+                              <a:cs typeface="DejaVu Math TeX Gyre" panose="02000503000000000000" charset="0"/>
+                            </a:rPr>
+                            <m:t>𝒚</m:t>
+                          </m:r>
+                        </m:e>
+                        <m:sub>
+                          <m:r>
+                            <a:rPr lang="en-US" altLang="en-US" sz="1200" b="1" i="1">
+                              <a:latin typeface="DejaVu Math TeX Gyre" panose="02000503000000000000" charset="0"/>
+                              <a:cs typeface="DejaVu Math TeX Gyre" panose="02000503000000000000" charset="0"/>
+                            </a:rPr>
+                            <m:t>𝒕</m:t>
+                          </m:r>
+                        </m:sub>
+                      </m:sSub>
+                    </m:oMath>
+                  </m:oMathPara>
+                </a14:m>
+                <a:endParaRPr lang="en-US" altLang="en-US" sz="1200" b="1">
+                  <a:latin typeface="Latin Modern Sans" panose="00000500000000000000" charset="0"/>
+                  <a:cs typeface="Latin Modern Sans" panose="00000500000000000000" charset="0"/>
+                </a:endParaRPr>
+              </a:p>
+            </p:txBody>
+          </p:sp>
+        </mc:Choice>
+        <mc:Fallback>
+          <p:sp>
+            <p:nvSpPr>
+              <p:cNvPr id="48" name="Text Box 47"/>
+              <p:cNvSpPr txBox="1">
+                <a:spLocks noRot="1" noChangeAspect="1" noMove="1" noResize="1" noEditPoints="1" noAdjustHandles="1" noChangeArrowheads="1" noChangeShapeType="1" noTextEdit="1"/>
+              </p:cNvSpPr>
+              <p:nvPr/>
+            </p:nvSpPr>
+            <p:spPr>
+              <a:xfrm>
+                <a:off x="9144000" y="2016125"/>
+                <a:ext cx="664210" cy="277495"/>
+              </a:xfrm>
+              <a:prstGeom prst="rect">
+                <a:avLst/>
+              </a:prstGeom>
+              <a:blipFill rotWithShape="1">
+                <a:blip r:embed="rId7"/>
+                <a:stretch>
+                  <a:fillRect/>
+                </a:stretch>
+              </a:blipFill>
+            </p:spPr>
+            <p:txBody>
+              <a:bodyPr/>
+              <a:lstStyle/>
+              <a:p>
+                <a:r>
+                  <a:rPr lang="en-US" altLang="en-US">
+                    <a:noFill/>
+                  </a:rPr>
+                  <a:t> </a:t>
+                </a:r>
+              </a:p>
+            </p:txBody>
+          </p:sp>
+        </mc:Fallback>
+      </mc:AlternateContent>
+      <mc:AlternateContent xmlns:mc="http://schemas.openxmlformats.org/markup-compatibility/2006">
+        <mc:Choice xmlns:a14="http://schemas.microsoft.com/office/drawing/2010/main" Requires="a14">
+          <p:sp>
+            <p:nvSpPr>
+              <p:cNvPr id="49" name="Text Box 48"/>
+              <p:cNvSpPr txBox="1"/>
+              <p:nvPr/>
+            </p:nvSpPr>
+            <p:spPr>
+              <a:xfrm>
+                <a:off x="8532495" y="1765300"/>
+                <a:ext cx="347980" cy="275590"/>
+              </a:xfrm>
+              <a:prstGeom prst="rect">
+                <a:avLst/>
+              </a:prstGeom>
+              <a:noFill/>
+            </p:spPr>
+            <p:txBody>
+              <a:bodyPr wrap="square" rtlCol="0">
+                <a:spAutoFit/>
+              </a:bodyPr>
+              <a:p>
+                <a:pPr algn="ctr"/>
+                <a14:m>
+                  <m:oMathPara xmlns:m="http://schemas.openxmlformats.org/officeDocument/2006/math">
+                    <m:oMathParaPr>
+                      <m:jc m:val="centerGroup"/>
+                    </m:oMathParaPr>
+                    <m:oMath xmlns:m="http://schemas.openxmlformats.org/officeDocument/2006/math">
+                      <m:r>
+                        <a:rPr lang="en-US" altLang="en-US" sz="1200" b="1" i="1">
+                          <a:latin typeface="DejaVu Math TeX Gyre" panose="02000503000000000000" charset="0"/>
+                          <a:cs typeface="DejaVu Math TeX Gyre" panose="02000503000000000000" charset="0"/>
+                        </a:rPr>
+                        <m:t>𝑿</m:t>
+                      </m:r>
+                    </m:oMath>
+                  </m:oMathPara>
+                </a14:m>
+                <a:endParaRPr lang="en-US" altLang="en-US" sz="1200" b="1" i="1">
+                  <a:latin typeface="DejaVu Math TeX Gyre" panose="02000503000000000000" charset="0"/>
+                  <a:cs typeface="DejaVu Math TeX Gyre" panose="02000503000000000000" charset="0"/>
+                </a:endParaRPr>
+              </a:p>
+            </p:txBody>
+          </p:sp>
+        </mc:Choice>
+        <mc:Fallback>
+          <p:sp>
+            <p:nvSpPr>
+              <p:cNvPr id="49" name="Text Box 48"/>
+              <p:cNvSpPr txBox="1">
+                <a:spLocks noRot="1" noChangeAspect="1" noMove="1" noResize="1" noEditPoints="1" noAdjustHandles="1" noChangeArrowheads="1" noChangeShapeType="1" noTextEdit="1"/>
+              </p:cNvSpPr>
+              <p:nvPr/>
+            </p:nvSpPr>
+            <p:spPr>
+              <a:xfrm>
+                <a:off x="8532495" y="1765300"/>
+                <a:ext cx="347980" cy="275590"/>
+              </a:xfrm>
+              <a:prstGeom prst="rect">
+                <a:avLst/>
+              </a:prstGeom>
+              <a:blipFill rotWithShape="1">
+                <a:blip r:embed="rId8"/>
+                <a:stretch>
+                  <a:fillRect/>
+                </a:stretch>
+              </a:blipFill>
+            </p:spPr>
+            <p:txBody>
+              <a:bodyPr/>
+              <a:lstStyle/>
+              <a:p>
+                <a:r>
+                  <a:rPr lang="en-US" altLang="en-US">
+                    <a:noFill/>
+                  </a:rPr>
+                  <a:t> </a:t>
+                </a:r>
+              </a:p>
+            </p:txBody>
+          </p:sp>
+        </mc:Fallback>
+      </mc:AlternateContent>
+      <p:cxnSp>
+        <p:nvCxnSpPr>
+          <p:cNvPr id="50" name="Elbow Connector 49"/>
+          <p:cNvCxnSpPr/>
+          <p:nvPr/>
+        </p:nvCxnSpPr>
+        <p:spPr>
+          <a:xfrm rot="5400000" flipH="1">
+            <a:off x="10019030" y="1743710"/>
+            <a:ext cx="141605" cy="678815"/>
+          </a:xfrm>
+          <a:prstGeom prst="bentConnector4">
+            <a:avLst>
+              <a:gd name="adj1" fmla="val -103415"/>
+              <a:gd name="adj2" fmla="val 121608"/>
+            </a:avLst>
+          </a:prstGeom>
+          <a:ln w="19050">
+            <a:solidFill>
+              <a:schemeClr val="tx1"/>
+            </a:solidFill>
+            <a:tailEnd type="arrow"/>
+          </a:ln>
+        </p:spPr>
+        <p:style>
+          <a:lnRef idx="1">
+            <a:schemeClr val="accent1"/>
+          </a:lnRef>
+          <a:fillRef idx="0">
+            <a:schemeClr val="accent1"/>
+          </a:fillRef>
+          <a:effectRef idx="0">
+            <a:schemeClr val="accent1"/>
+          </a:effectRef>
+          <a:fontRef idx="minor">
+            <a:schemeClr val="tx1"/>
+          </a:fontRef>
+        </p:style>
+      </p:cxnSp>
+      <p:sp>
+        <p:nvSpPr>
+          <p:cNvPr id="51" name="Rectangle 50"/>
+          <p:cNvSpPr/>
+          <p:nvPr/>
+        </p:nvSpPr>
+        <p:spPr>
+          <a:xfrm>
+            <a:off x="9807575" y="1772285"/>
+            <a:ext cx="281940" cy="316230"/>
+          </a:xfrm>
+          <a:prstGeom prst="rect">
+            <a:avLst/>
+          </a:prstGeom>
+          <a:solidFill>
+            <a:schemeClr val="bg2">
+              <a:lumMod val="90000"/>
+            </a:schemeClr>
+          </a:solidFill>
+          <a:ln w="19050">
+            <a:solidFill>
+              <a:schemeClr val="tx1"/>
+            </a:solidFill>
+          </a:ln>
+        </p:spPr>
+        <p:style>
+          <a:lnRef idx="2">
+            <a:schemeClr val="accent1">
+              <a:shade val="50000"/>
+            </a:schemeClr>
+          </a:lnRef>
+          <a:fillRef idx="1">
+            <a:schemeClr val="accent1"/>
+          </a:fillRef>
+          <a:effectRef idx="0">
+            <a:schemeClr val="accent1"/>
+          </a:effectRef>
+          <a:fontRef idx="minor">
+            <a:schemeClr val="lt1"/>
+          </a:fontRef>
+        </p:style>
+        <p:txBody>
+          <a:bodyPr rtlCol="0" anchor="ctr"/>
+          <a:p>
+            <a:pPr algn="ctr"/>
+            <a:endParaRPr lang="en-US" sz="1200"/>
+          </a:p>
+        </p:txBody>
+      </p:sp>
+      <p:cxnSp>
+        <p:nvCxnSpPr>
+          <p:cNvPr id="54" name="Straight Arrow Connector 53"/>
+          <p:cNvCxnSpPr/>
+          <p:nvPr/>
+        </p:nvCxnSpPr>
+        <p:spPr>
+          <a:xfrm>
+            <a:off x="10142220" y="1907540"/>
+            <a:ext cx="142875" cy="0"/>
+          </a:xfrm>
+          <a:prstGeom prst="straightConnector1">
+            <a:avLst/>
+          </a:prstGeom>
+          <a:ln w="19050">
+            <a:solidFill>
+              <a:schemeClr val="tx1"/>
+            </a:solidFill>
+            <a:tailEnd type="arrow"/>
+          </a:ln>
+        </p:spPr>
+        <p:style>
+          <a:lnRef idx="1">
+            <a:schemeClr val="accent1"/>
+          </a:lnRef>
+          <a:fillRef idx="0">
+            <a:schemeClr val="accent1"/>
+          </a:fillRef>
+          <a:effectRef idx="0">
+            <a:schemeClr val="accent1"/>
+          </a:effectRef>
+          <a:fontRef idx="minor">
+            <a:schemeClr val="tx1"/>
+          </a:fontRef>
+        </p:style>
+      </p:cxnSp>
+      <mc:AlternateContent xmlns:mc="http://schemas.openxmlformats.org/markup-compatibility/2006">
+        <mc:Choice xmlns:a14="http://schemas.microsoft.com/office/drawing/2010/main" Requires="a14">
+          <p:sp>
+            <p:nvSpPr>
+              <p:cNvPr id="67" name="Text Box 66"/>
+              <p:cNvSpPr txBox="1"/>
+              <p:nvPr/>
+            </p:nvSpPr>
+            <p:spPr>
+              <a:xfrm>
+                <a:off x="10133330" y="1765300"/>
+                <a:ext cx="664210" cy="278130"/>
+              </a:xfrm>
+              <a:prstGeom prst="rect">
+                <a:avLst/>
+              </a:prstGeom>
+              <a:noFill/>
+            </p:spPr>
+            <p:txBody>
+              <a:bodyPr wrap="square" rtlCol="0">
+                <a:spAutoFit/>
+              </a:bodyPr>
+              <a:p>
+                <a:pPr algn="ctr"/>
+                <a14:m>
+                  <m:oMathPara xmlns:m="http://schemas.openxmlformats.org/officeDocument/2006/math">
+                    <m:oMathParaPr>
+                      <m:jc m:val="centerGroup"/>
+                    </m:oMathParaPr>
+                    <m:oMath xmlns:m="http://schemas.openxmlformats.org/officeDocument/2006/math">
+                      <m:sSub>
+                        <m:sSubPr>
+                          <m:ctrlPr>
+                            <a:rPr lang="en-US" altLang="en-US" sz="1200" b="1" i="1">
+                              <a:latin typeface="DejaVu Math TeX Gyre" panose="02000503000000000000" charset="0"/>
+                              <a:cs typeface="DejaVu Math TeX Gyre" panose="02000503000000000000" charset="0"/>
+                            </a:rPr>
+                          </m:ctrlPr>
+                        </m:sSubPr>
+                        <m:e>
+                          <m:r>
+                            <a:rPr lang="en-US" altLang="en-US" sz="1200" b="1" i="1">
+                              <a:latin typeface="DejaVu Math TeX Gyre" panose="02000503000000000000" charset="0"/>
+                              <a:cs typeface="DejaVu Math TeX Gyre" panose="02000503000000000000" charset="0"/>
+                            </a:rPr>
+                            <m:t>𝒚</m:t>
+                          </m:r>
+                        </m:e>
+                        <m:sub>
+                          <m:r>
+                            <a:rPr lang="en-US" altLang="en-US" sz="1200" b="1" i="1">
+                              <a:latin typeface="DejaVu Math TeX Gyre" panose="02000503000000000000" charset="0"/>
+                              <a:cs typeface="DejaVu Math TeX Gyre" panose="02000503000000000000" charset="0"/>
+                            </a:rPr>
+                            <m:t>𝒕</m:t>
+                          </m:r>
+                          <m:r>
+                            <a:rPr lang="en-US" altLang="en-US" sz="1200" b="1" i="1">
+                              <a:latin typeface="DejaVu Math TeX Gyre" panose="02000503000000000000" charset="0"/>
+                              <a:cs typeface="DejaVu Math TeX Gyre" panose="02000503000000000000" charset="0"/>
+                            </a:rPr>
+                            <m:t>+</m:t>
+                          </m:r>
+                          <m:r>
+                            <a:rPr lang="en-US" altLang="en-US" sz="1200" b="1" i="1">
+                              <a:latin typeface="DejaVu Math TeX Gyre" panose="02000503000000000000" charset="0"/>
+                              <a:cs typeface="DejaVu Math TeX Gyre" panose="02000503000000000000" charset="0"/>
+                            </a:rPr>
+                            <m:t>𝟏</m:t>
+                          </m:r>
+                        </m:sub>
+                      </m:sSub>
+                    </m:oMath>
+                  </m:oMathPara>
+                </a14:m>
+                <a:endParaRPr lang="en-US" altLang="en-US" sz="1200" b="1">
+                  <a:latin typeface="Latin Modern Sans" panose="00000500000000000000" charset="0"/>
+                  <a:cs typeface="Latin Modern Sans" panose="00000500000000000000" charset="0"/>
+                </a:endParaRPr>
+              </a:p>
+            </p:txBody>
+          </p:sp>
+        </mc:Choice>
+        <mc:Fallback>
+          <p:sp>
+            <p:nvSpPr>
+              <p:cNvPr id="67" name="Text Box 66"/>
+              <p:cNvSpPr txBox="1">
+                <a:spLocks noRot="1" noChangeAspect="1" noMove="1" noResize="1" noEditPoints="1" noAdjustHandles="1" noChangeArrowheads="1" noChangeShapeType="1" noTextEdit="1"/>
+              </p:cNvSpPr>
+              <p:nvPr/>
+            </p:nvSpPr>
+            <p:spPr>
+              <a:xfrm>
+                <a:off x="10133330" y="1765300"/>
+                <a:ext cx="664210" cy="278130"/>
+              </a:xfrm>
+              <a:prstGeom prst="rect">
+                <a:avLst/>
+              </a:prstGeom>
+              <a:blipFill rotWithShape="1">
+                <a:blip r:embed="rId9"/>
+                <a:stretch>
+                  <a:fillRect/>
+                </a:stretch>
+              </a:blipFill>
+            </p:spPr>
+            <p:txBody>
+              <a:bodyPr/>
+              <a:lstStyle/>
+              <a:p>
+                <a:r>
+                  <a:rPr lang="en-US" altLang="en-US">
+                    <a:noFill/>
+                  </a:rPr>
+                  <a:t> </a:t>
+                </a:r>
+              </a:p>
+            </p:txBody>
+          </p:sp>
+        </mc:Fallback>
+      </mc:AlternateContent>
+      <mc:AlternateContent xmlns:mc="http://schemas.openxmlformats.org/markup-compatibility/2006">
+        <mc:Choice xmlns:a14="http://schemas.microsoft.com/office/drawing/2010/main" Requires="a14">
+          <p:sp>
+            <p:nvSpPr>
+              <p:cNvPr id="65" name="Text Box 64"/>
+              <p:cNvSpPr txBox="1"/>
+              <p:nvPr/>
+            </p:nvSpPr>
+            <p:spPr>
+              <a:xfrm>
+                <a:off x="11103610" y="1812925"/>
+                <a:ext cx="594995" cy="275590"/>
+              </a:xfrm>
+              <a:prstGeom prst="rect">
+                <a:avLst/>
+              </a:prstGeom>
+              <a:noFill/>
+            </p:spPr>
+            <p:txBody>
+              <a:bodyPr wrap="square" rtlCol="0">
+                <a:spAutoFit/>
+              </a:bodyPr>
+              <a:p>
+                <a:pPr algn="ctr"/>
+                <a14:m>
+                  <m:oMathPara xmlns:m="http://schemas.openxmlformats.org/officeDocument/2006/math">
+                    <m:oMathParaPr>
+                      <m:jc m:val="centerGroup"/>
+                    </m:oMathParaPr>
+                    <m:oMath xmlns:m="http://schemas.openxmlformats.org/officeDocument/2006/math">
+                      <m:r>
+                        <a:rPr lang="en-US" altLang="en-US" sz="1200" b="1" i="1">
+                          <a:latin typeface="DejaVu Math TeX Gyre" panose="02000503000000000000" charset="0"/>
+                          <a:cs typeface="DejaVu Math TeX Gyre" panose="02000503000000000000" charset="0"/>
+                        </a:rPr>
+                        <m:t>𝒀</m:t>
+                      </m:r>
+                    </m:oMath>
+                  </m:oMathPara>
+                </a14:m>
+                <a:endParaRPr lang="" altLang="en-US" sz="1200" b="1">
+                  <a:latin typeface="Latin Modern Sans" panose="00000500000000000000" charset="0"/>
+                  <a:cs typeface="Latin Modern Sans" panose="00000500000000000000" charset="0"/>
+                </a:endParaRPr>
+              </a:p>
+            </p:txBody>
+          </p:sp>
+        </mc:Choice>
+        <mc:Fallback>
+          <p:sp>
+            <p:nvSpPr>
+              <p:cNvPr id="65" name="Text Box 64"/>
+              <p:cNvSpPr txBox="1">
+                <a:spLocks noRot="1" noChangeAspect="1" noMove="1" noResize="1" noEditPoints="1" noAdjustHandles="1" noChangeArrowheads="1" noChangeShapeType="1" noTextEdit="1"/>
+              </p:cNvSpPr>
+              <p:nvPr/>
+            </p:nvSpPr>
+            <p:spPr>
+              <a:xfrm>
+                <a:off x="11103610" y="1812925"/>
+                <a:ext cx="594995" cy="275590"/>
+              </a:xfrm>
+              <a:prstGeom prst="rect">
+                <a:avLst/>
+              </a:prstGeom>
+              <a:blipFill rotWithShape="1">
+                <a:blip r:embed="rId10"/>
+                <a:stretch>
+                  <a:fillRect/>
+                </a:stretch>
+              </a:blipFill>
+            </p:spPr>
+            <p:txBody>
+              <a:bodyPr/>
+              <a:lstStyle/>
+              <a:p>
+                <a:r>
+                  <a:rPr lang="en-US" altLang="en-US">
+                    <a:noFill/>
+                  </a:rPr>
+                  <a:t> </a:t>
+                </a:r>
+              </a:p>
+            </p:txBody>
+          </p:sp>
+        </mc:Fallback>
+      </mc:AlternateContent>
+      <p:cxnSp>
+        <p:nvCxnSpPr>
+          <p:cNvPr id="9" name="Straight Arrow Connector 8"/>
+          <p:cNvCxnSpPr/>
+          <p:nvPr/>
+        </p:nvCxnSpPr>
+        <p:spPr>
+          <a:xfrm>
+            <a:off x="9057640" y="3729990"/>
+            <a:ext cx="596900" cy="3810"/>
+          </a:xfrm>
+          <a:prstGeom prst="straightConnector1">
+            <a:avLst/>
+          </a:prstGeom>
+          <a:ln w="19050">
+            <a:solidFill>
+              <a:schemeClr val="tx1"/>
+            </a:solidFill>
+            <a:tailEnd type="arrow"/>
+          </a:ln>
+        </p:spPr>
+        <p:style>
+          <a:lnRef idx="1">
+            <a:schemeClr val="accent1"/>
+          </a:lnRef>
+          <a:fillRef idx="0">
+            <a:schemeClr val="accent1"/>
+          </a:fillRef>
+          <a:effectRef idx="0">
+            <a:schemeClr val="accent1"/>
+          </a:effectRef>
+          <a:fontRef idx="minor">
+            <a:schemeClr val="tx1"/>
+          </a:fontRef>
+        </p:style>
+      </p:cxnSp>
+      <p:cxnSp>
+        <p:nvCxnSpPr>
+          <p:cNvPr id="15" name="Straight Arrow Connector 14"/>
+          <p:cNvCxnSpPr/>
+          <p:nvPr/>
+        </p:nvCxnSpPr>
+        <p:spPr>
+          <a:xfrm>
+            <a:off x="10767060" y="3714115"/>
+            <a:ext cx="388620" cy="635"/>
+          </a:xfrm>
+          <a:prstGeom prst="straightConnector1">
+            <a:avLst/>
+          </a:prstGeom>
+          <a:ln w="19050">
+            <a:solidFill>
+              <a:schemeClr val="tx1"/>
+            </a:solidFill>
+            <a:tailEnd type="arrow"/>
+          </a:ln>
+        </p:spPr>
+        <p:style>
+          <a:lnRef idx="1">
+            <a:schemeClr val="accent1"/>
+          </a:lnRef>
+          <a:fillRef idx="0">
+            <a:schemeClr val="accent1"/>
+          </a:fillRef>
+          <a:effectRef idx="0">
+            <a:schemeClr val="accent1"/>
+          </a:effectRef>
+          <a:fontRef idx="minor">
+            <a:schemeClr val="tx1"/>
+          </a:fontRef>
+        </p:style>
+      </p:cxnSp>
+      <mc:AlternateContent xmlns:mc="http://schemas.openxmlformats.org/markup-compatibility/2006">
+        <mc:Choice xmlns:a14="http://schemas.microsoft.com/office/drawing/2010/main" Requires="a14">
+          <p:sp>
+            <p:nvSpPr>
+              <p:cNvPr id="20" name="Text Box 19"/>
+              <p:cNvSpPr txBox="1"/>
+              <p:nvPr/>
+            </p:nvSpPr>
+            <p:spPr>
+              <a:xfrm>
+                <a:off x="8532495" y="3576955"/>
+                <a:ext cx="452120" cy="275590"/>
+              </a:xfrm>
+              <a:prstGeom prst="rect">
+                <a:avLst/>
+              </a:prstGeom>
+              <a:noFill/>
+            </p:spPr>
+            <p:txBody>
+              <a:bodyPr wrap="square" rtlCol="0">
+                <a:spAutoFit/>
+              </a:bodyPr>
+              <a:p>
+                <a:pPr algn="ctr"/>
+                <a14:m>
+                  <m:oMathPara xmlns:m="http://schemas.openxmlformats.org/officeDocument/2006/math">
+                    <m:oMathParaPr>
+                      <m:jc m:val="centerGroup"/>
+                    </m:oMathParaPr>
+                    <m:oMath xmlns:m="http://schemas.openxmlformats.org/officeDocument/2006/math">
+                      <m:r>
+                        <a:rPr lang="en-US" altLang="en-US" sz="1200" b="1" i="1">
+                          <a:latin typeface="DejaVu Math TeX Gyre" panose="02000503000000000000" charset="0"/>
+                          <a:cs typeface="DejaVu Math TeX Gyre" panose="02000503000000000000" charset="0"/>
+                        </a:rPr>
+                        <m:t>𝑿</m:t>
+                      </m:r>
+                    </m:oMath>
+                  </m:oMathPara>
+                </a14:m>
+                <a:endParaRPr lang="" altLang="en-US" sz="1200" b="1">
+                  <a:latin typeface="Latin Modern Sans" panose="00000500000000000000" charset="0"/>
+                  <a:cs typeface="Latin Modern Sans" panose="00000500000000000000" charset="0"/>
+                </a:endParaRPr>
+              </a:p>
+            </p:txBody>
+          </p:sp>
+        </mc:Choice>
+        <mc:Fallback>
+          <p:sp>
+            <p:nvSpPr>
+              <p:cNvPr id="20" name="Text Box 19"/>
+              <p:cNvSpPr txBox="1">
+                <a:spLocks noRot="1" noChangeAspect="1" noMove="1" noResize="1" noEditPoints="1" noAdjustHandles="1" noChangeArrowheads="1" noChangeShapeType="1" noTextEdit="1"/>
+              </p:cNvSpPr>
+              <p:nvPr/>
+            </p:nvSpPr>
+            <p:spPr>
+              <a:xfrm>
+                <a:off x="8532495" y="3576955"/>
+                <a:ext cx="452120" cy="275590"/>
+              </a:xfrm>
+              <a:prstGeom prst="rect">
+                <a:avLst/>
+              </a:prstGeom>
+              <a:blipFill rotWithShape="1">
+                <a:blip r:embed="rId11"/>
+                <a:stretch>
+                  <a:fillRect/>
+                </a:stretch>
+              </a:blipFill>
+            </p:spPr>
+            <p:txBody>
+              <a:bodyPr/>
+              <a:lstStyle/>
+              <a:p>
+                <a:r>
+                  <a:rPr lang="en-US" altLang="en-US">
+                    <a:noFill/>
+                  </a:rPr>
+                  <a:t> </a:t>
+                </a:r>
+              </a:p>
+            </p:txBody>
+          </p:sp>
+        </mc:Fallback>
+      </mc:AlternateContent>
+      <p:sp>
+        <p:nvSpPr>
+          <p:cNvPr id="23" name="Rectangle 22"/>
+          <p:cNvSpPr/>
+          <p:nvPr/>
+        </p:nvSpPr>
+        <p:spPr>
+          <a:xfrm>
+            <a:off x="9796145" y="3365500"/>
+            <a:ext cx="76200" cy="718820"/>
+          </a:xfrm>
+          <a:prstGeom prst="rect">
+            <a:avLst/>
+          </a:prstGeom>
+          <a:solidFill>
+            <a:schemeClr val="bg2">
+              <a:lumMod val="90000"/>
+            </a:schemeClr>
+          </a:solidFill>
+          <a:ln w="19050">
+            <a:solidFill>
+              <a:schemeClr val="tx1"/>
+            </a:solidFill>
+          </a:ln>
+        </p:spPr>
+        <p:style>
+          <a:lnRef idx="2">
+            <a:schemeClr val="accent1">
+              <a:shade val="50000"/>
+            </a:schemeClr>
+          </a:lnRef>
+          <a:fillRef idx="1">
+            <a:schemeClr val="accent1"/>
+          </a:fillRef>
+          <a:effectRef idx="0">
+            <a:schemeClr val="accent1"/>
+          </a:effectRef>
+          <a:fontRef idx="minor">
+            <a:schemeClr val="lt1"/>
+          </a:fontRef>
+        </p:style>
+        <p:txBody>
+          <a:bodyPr rtlCol="0" anchor="ctr"/>
+          <a:p>
+            <a:pPr algn="ctr"/>
+            <a:endParaRPr lang="en-US" sz="1200"/>
+          </a:p>
+        </p:txBody>
+      </p:sp>
+      <p:sp>
+        <p:nvSpPr>
+          <p:cNvPr id="25" name="Rectangle 24"/>
+          <p:cNvSpPr/>
+          <p:nvPr/>
+        </p:nvSpPr>
+        <p:spPr>
+          <a:xfrm>
+            <a:off x="9969500" y="3467100"/>
+            <a:ext cx="106680" cy="567055"/>
+          </a:xfrm>
+          <a:prstGeom prst="rect">
+            <a:avLst/>
+          </a:prstGeom>
+          <a:solidFill>
+            <a:schemeClr val="bg2">
+              <a:lumMod val="90000"/>
+            </a:schemeClr>
+          </a:solidFill>
+          <a:ln w="19050">
+            <a:solidFill>
+              <a:schemeClr val="tx1"/>
+            </a:solidFill>
+          </a:ln>
+        </p:spPr>
+        <p:style>
+          <a:lnRef idx="2">
+            <a:schemeClr val="accent1">
+              <a:shade val="50000"/>
+            </a:schemeClr>
+          </a:lnRef>
+          <a:fillRef idx="1">
+            <a:schemeClr val="accent1"/>
+          </a:fillRef>
+          <a:effectRef idx="0">
+            <a:schemeClr val="accent1"/>
+          </a:effectRef>
+          <a:fontRef idx="minor">
+            <a:schemeClr val="lt1"/>
+          </a:fontRef>
+        </p:style>
+        <p:txBody>
+          <a:bodyPr rtlCol="0" anchor="ctr"/>
+          <a:p>
+            <a:pPr algn="ctr"/>
+            <a:endParaRPr lang="en-US" sz="1200"/>
+          </a:p>
+        </p:txBody>
+      </p:sp>
+      <p:sp>
+        <p:nvSpPr>
+          <p:cNvPr id="31" name="Rectangle 30"/>
+          <p:cNvSpPr/>
+          <p:nvPr/>
+        </p:nvSpPr>
+        <p:spPr>
+          <a:xfrm>
+            <a:off x="10153650" y="3555365"/>
+            <a:ext cx="128905" cy="340360"/>
+          </a:xfrm>
+          <a:prstGeom prst="rect">
+            <a:avLst/>
+          </a:prstGeom>
+          <a:solidFill>
+            <a:schemeClr val="bg2">
+              <a:lumMod val="90000"/>
+            </a:schemeClr>
+          </a:solidFill>
+          <a:ln w="19050">
+            <a:solidFill>
+              <a:schemeClr val="tx1"/>
+            </a:solidFill>
+          </a:ln>
+        </p:spPr>
+        <p:style>
+          <a:lnRef idx="2">
+            <a:schemeClr val="accent1">
+              <a:shade val="50000"/>
+            </a:schemeClr>
+          </a:lnRef>
+          <a:fillRef idx="1">
+            <a:schemeClr val="accent1"/>
+          </a:fillRef>
+          <a:effectRef idx="0">
+            <a:schemeClr val="accent1"/>
+          </a:effectRef>
+          <a:fontRef idx="minor">
+            <a:schemeClr val="lt1"/>
+          </a:fontRef>
+        </p:style>
+        <p:txBody>
+          <a:bodyPr rtlCol="0" anchor="ctr"/>
+          <a:p>
+            <a:pPr algn="ctr"/>
+            <a:endParaRPr lang="en-US" sz="1200"/>
+          </a:p>
+        </p:txBody>
+      </p:sp>
+      <p:sp>
+        <p:nvSpPr>
+          <p:cNvPr id="32" name="Rectangle 31"/>
+          <p:cNvSpPr/>
+          <p:nvPr/>
+        </p:nvSpPr>
+        <p:spPr>
+          <a:xfrm>
+            <a:off x="10365105" y="3667760"/>
+            <a:ext cx="202565" cy="105410"/>
+          </a:xfrm>
+          <a:prstGeom prst="rect">
+            <a:avLst/>
+          </a:prstGeom>
+          <a:solidFill>
+            <a:schemeClr val="bg2">
+              <a:lumMod val="90000"/>
+            </a:schemeClr>
+          </a:solidFill>
+          <a:ln w="19050">
+            <a:solidFill>
+              <a:schemeClr val="tx1"/>
+            </a:solidFill>
+          </a:ln>
+        </p:spPr>
+        <p:style>
+          <a:lnRef idx="2">
+            <a:schemeClr val="accent1">
+              <a:shade val="50000"/>
+            </a:schemeClr>
+          </a:lnRef>
+          <a:fillRef idx="1">
+            <a:schemeClr val="accent1"/>
+          </a:fillRef>
+          <a:effectRef idx="0">
+            <a:schemeClr val="accent1"/>
+          </a:effectRef>
+          <a:fontRef idx="minor">
+            <a:schemeClr val="lt1"/>
+          </a:fontRef>
+        </p:style>
+        <p:txBody>
+          <a:bodyPr rtlCol="0" anchor="ctr"/>
+          <a:p>
+            <a:pPr algn="ctr"/>
+            <a:endParaRPr lang="en-US" sz="1200"/>
+          </a:p>
+        </p:txBody>
+      </p:sp>
+      <p:sp>
+        <p:nvSpPr>
+          <p:cNvPr id="55" name="Text Box 54"/>
+          <p:cNvSpPr txBox="1"/>
+          <p:nvPr/>
+        </p:nvSpPr>
+        <p:spPr>
+          <a:xfrm>
+            <a:off x="239395" y="774065"/>
+            <a:ext cx="678815" cy="337185"/>
+          </a:xfrm>
+          <a:prstGeom prst="rect">
+            <a:avLst/>
+          </a:prstGeom>
+          <a:noFill/>
+        </p:spPr>
+        <p:txBody>
+          <a:bodyPr wrap="square" rtlCol="0">
+            <a:spAutoFit/>
+          </a:bodyPr>
+          <a:p>
+            <a:r>
+              <a:rPr lang="en-US" altLang="en-US" sz="1600" b="1"/>
+              <a:t>(A)</a:t>
+            </a:r>
+            <a:endParaRPr lang="en-US" altLang="en-US" sz="1600" b="1"/>
+          </a:p>
+        </p:txBody>
+      </p:sp>
+      <p:sp>
+        <p:nvSpPr>
+          <p:cNvPr id="56" name="Text Box 55"/>
+          <p:cNvSpPr txBox="1"/>
+          <p:nvPr/>
+        </p:nvSpPr>
+        <p:spPr>
+          <a:xfrm>
+            <a:off x="7719695" y="1442085"/>
+            <a:ext cx="852170" cy="306705"/>
+          </a:xfrm>
+          <a:prstGeom prst="rect">
+            <a:avLst/>
+          </a:prstGeom>
+          <a:noFill/>
+        </p:spPr>
+        <p:txBody>
+          <a:bodyPr wrap="square" rtlCol="0">
+            <a:spAutoFit/>
+          </a:bodyPr>
+          <a:p>
+            <a:r>
+              <a:rPr lang="en-US" altLang="en-US" sz="1400"/>
+              <a:t>(</a:t>
+            </a:r>
+            <a:r>
+              <a:rPr lang="" altLang="en-US" sz="1400"/>
+              <a:t>LSTM</a:t>
+            </a:r>
+            <a:r>
+              <a:rPr lang="en-US" altLang="en-US" sz="1400"/>
+              <a:t>)</a:t>
+            </a:r>
+            <a:endParaRPr lang="en-US" altLang="en-US" sz="1400"/>
+          </a:p>
+        </p:txBody>
+      </p:sp>
+      <p:sp>
+        <p:nvSpPr>
+          <p:cNvPr id="58" name="Text Box 57"/>
+          <p:cNvSpPr txBox="1"/>
+          <p:nvPr/>
+        </p:nvSpPr>
+        <p:spPr>
+          <a:xfrm>
+            <a:off x="7719695" y="2986405"/>
+            <a:ext cx="1025525" cy="306705"/>
+          </a:xfrm>
+          <a:prstGeom prst="rect">
+            <a:avLst/>
+          </a:prstGeom>
+          <a:noFill/>
+        </p:spPr>
+        <p:txBody>
+          <a:bodyPr wrap="square" rtlCol="0">
+            <a:spAutoFit/>
+          </a:bodyPr>
+          <a:p>
+            <a:r>
+              <a:rPr lang="" altLang="en-US" sz="1400"/>
+              <a:t>(CNN)</a:t>
+            </a:r>
+            <a:endParaRPr lang="" altLang="en-US" sz="1400"/>
+          </a:p>
+        </p:txBody>
+      </p:sp>
+      <mc:AlternateContent xmlns:mc="http://schemas.openxmlformats.org/markup-compatibility/2006">
+        <mc:Choice xmlns:a14="http://schemas.microsoft.com/office/drawing/2010/main" Requires="a14">
+          <p:sp>
+            <p:nvSpPr>
+              <p:cNvPr id="2" name="Text Box 1"/>
+              <p:cNvSpPr txBox="1"/>
+              <p:nvPr/>
+            </p:nvSpPr>
+            <p:spPr>
+              <a:xfrm>
+                <a:off x="11155680" y="3587115"/>
+                <a:ext cx="452120" cy="275590"/>
+              </a:xfrm>
+              <a:prstGeom prst="rect">
+                <a:avLst/>
+              </a:prstGeom>
+              <a:noFill/>
+            </p:spPr>
+            <p:txBody>
+              <a:bodyPr wrap="square" rtlCol="0">
+                <a:spAutoFit/>
+              </a:bodyPr>
+              <a:p>
+                <a:pPr algn="ctr"/>
+                <a14:m>
+                  <m:oMathPara xmlns:m="http://schemas.openxmlformats.org/officeDocument/2006/math">
+                    <m:oMathParaPr>
+                      <m:jc m:val="centerGroup"/>
+                    </m:oMathParaPr>
+                    <m:oMath xmlns:m="http://schemas.openxmlformats.org/officeDocument/2006/math">
+                      <m:r>
+                        <a:rPr lang="en-US" altLang="en-US" sz="1200" b="1" i="1">
+                          <a:latin typeface="DejaVu Math TeX Gyre" panose="02000503000000000000" charset="0"/>
+                          <a:cs typeface="DejaVu Math TeX Gyre" panose="02000503000000000000" charset="0"/>
+                        </a:rPr>
+                        <m:t>𝒀</m:t>
+                      </m:r>
+                    </m:oMath>
+                  </m:oMathPara>
+                </a14:m>
+                <a:endParaRPr lang="" altLang="en-US" sz="1200" b="1">
+                  <a:latin typeface="Latin Modern Sans" panose="00000500000000000000" charset="0"/>
+                  <a:cs typeface="Latin Modern Sans" panose="00000500000000000000" charset="0"/>
+                  <a:sym typeface="+mn-ea"/>
+                </a:endParaRPr>
+              </a:p>
+            </p:txBody>
+          </p:sp>
+        </mc:Choice>
+        <mc:Fallback>
+          <p:sp>
+            <p:nvSpPr>
+              <p:cNvPr id="2" name="Text Box 1"/>
+              <p:cNvSpPr txBox="1">
+                <a:spLocks noRot="1" noChangeAspect="1" noMove="1" noResize="1" noEditPoints="1" noAdjustHandles="1" noChangeArrowheads="1" noChangeShapeType="1" noTextEdit="1"/>
+              </p:cNvSpPr>
+              <p:nvPr/>
+            </p:nvSpPr>
+            <p:spPr>
+              <a:xfrm>
+                <a:off x="11155680" y="3587115"/>
+                <a:ext cx="452120" cy="275590"/>
+              </a:xfrm>
+              <a:prstGeom prst="rect">
+                <a:avLst/>
+              </a:prstGeom>
+              <a:blipFill rotWithShape="1">
+                <a:blip r:embed="rId12"/>
+                <a:stretch>
+                  <a:fillRect/>
+                </a:stretch>
+              </a:blipFill>
+            </p:spPr>
+            <p:txBody>
+              <a:bodyPr/>
+              <a:lstStyle/>
+              <a:p>
+                <a:r>
+                  <a:rPr lang="en-US" altLang="en-US">
+                    <a:noFill/>
+                  </a:rPr>
+                  <a:t> </a:t>
+                </a:r>
+              </a:p>
+            </p:txBody>
+          </p:sp>
+        </mc:Fallback>
+      </mc:AlternateContent>
+      <p:cxnSp>
+        <p:nvCxnSpPr>
+          <p:cNvPr id="42" name="Straight Arrow Connector 41"/>
+          <p:cNvCxnSpPr/>
+          <p:nvPr/>
+        </p:nvCxnSpPr>
+        <p:spPr>
+          <a:xfrm>
+            <a:off x="9005570" y="1902460"/>
+            <a:ext cx="596900" cy="3810"/>
+          </a:xfrm>
+          <a:prstGeom prst="straightConnector1">
+            <a:avLst/>
+          </a:prstGeom>
+          <a:ln w="19050">
+            <a:solidFill>
+              <a:schemeClr val="tx1"/>
+            </a:solidFill>
+            <a:tailEnd type="arrow"/>
+          </a:ln>
+        </p:spPr>
+        <p:style>
+          <a:lnRef idx="1">
+            <a:schemeClr val="accent1"/>
+          </a:lnRef>
+          <a:fillRef idx="0">
+            <a:schemeClr val="accent1"/>
+          </a:fillRef>
+          <a:effectRef idx="0">
+            <a:schemeClr val="accent1"/>
+          </a:effectRef>
+          <a:fontRef idx="minor">
+            <a:schemeClr val="tx1"/>
+          </a:fontRef>
+        </p:style>
+      </p:cxnSp>
+      <p:cxnSp>
+        <p:nvCxnSpPr>
+          <p:cNvPr id="47" name="Straight Arrow Connector 46"/>
+          <p:cNvCxnSpPr/>
+          <p:nvPr/>
+        </p:nvCxnSpPr>
+        <p:spPr>
+          <a:xfrm>
+            <a:off x="10714990" y="1930400"/>
+            <a:ext cx="388620" cy="635"/>
+          </a:xfrm>
+          <a:prstGeom prst="straightConnector1">
+            <a:avLst/>
+          </a:prstGeom>
+          <a:ln w="19050">
+            <a:solidFill>
+              <a:schemeClr val="tx1"/>
+            </a:solidFill>
+            <a:tailEnd type="arrow"/>
+          </a:ln>
+        </p:spPr>
+        <p:style>
+          <a:lnRef idx="1">
+            <a:schemeClr val="accent1"/>
+          </a:lnRef>
+          <a:fillRef idx="0">
+            <a:schemeClr val="accent1"/>
+          </a:fillRef>
+          <a:effectRef idx="0">
+            <a:schemeClr val="accent1"/>
+          </a:effectRef>
+          <a:fontRef idx="minor">
+            <a:schemeClr val="tx1"/>
+          </a:fontRef>
+        </p:style>
+      </p:cxnSp>
+      <p:cxnSp>
+        <p:nvCxnSpPr>
+          <p:cNvPr id="138" name="Straight Connector 137"/>
+          <p:cNvCxnSpPr/>
+          <p:nvPr/>
+        </p:nvCxnSpPr>
+        <p:spPr>
+          <a:xfrm>
+            <a:off x="7404100" y="768350"/>
+            <a:ext cx="0" cy="4064000"/>
+          </a:xfrm>
+          <a:prstGeom prst="line">
+            <a:avLst/>
+          </a:prstGeom>
+          <a:ln w="19050">
+            <a:solidFill>
+              <a:schemeClr val="tx1"/>
+            </a:solidFill>
+          </a:ln>
+        </p:spPr>
+        <p:style>
+          <a:lnRef idx="1">
+            <a:schemeClr val="accent1"/>
+          </a:lnRef>
+          <a:fillRef idx="0">
+            <a:schemeClr val="accent1"/>
+          </a:fillRef>
+          <a:effectRef idx="0">
+            <a:schemeClr val="accent1"/>
+          </a:effectRef>
+          <a:fontRef idx="minor">
+            <a:schemeClr val="tx1"/>
+          </a:fontRef>
+        </p:style>
+      </p:cxnSp>
+      <p:sp>
+        <p:nvSpPr>
+          <p:cNvPr id="139" name="Text Box 138"/>
+          <p:cNvSpPr txBox="1"/>
+          <p:nvPr/>
+        </p:nvSpPr>
+        <p:spPr>
+          <a:xfrm>
+            <a:off x="7404100" y="774065"/>
+            <a:ext cx="678815" cy="337185"/>
+          </a:xfrm>
+          <a:prstGeom prst="rect">
+            <a:avLst/>
+          </a:prstGeom>
+          <a:noFill/>
+        </p:spPr>
+        <p:txBody>
+          <a:bodyPr wrap="square" rtlCol="0">
+            <a:spAutoFit/>
+          </a:bodyPr>
+          <a:p>
+            <a:r>
+              <a:rPr lang="en-US" altLang="en-US" sz="1600" b="1"/>
+              <a:t>(</a:t>
+            </a:r>
+            <a:r>
+              <a:rPr lang="" altLang="en-US" sz="1600" b="1"/>
+              <a:t>B</a:t>
+            </a:r>
+            <a:r>
+              <a:rPr lang="en-US" altLang="en-US" sz="1600" b="1"/>
+              <a:t>)</a:t>
+            </a:r>
+            <a:endParaRPr lang="en-US" altLang="en-US" sz="1600" b="1"/>
+          </a:p>
+        </p:txBody>
+      </p:sp>
     </p:spTree>
   </p:cSld>
   <p:clrMapOvr>
